--- a/docs/Static Code Analysis.pptx
+++ b/docs/Static Code Analysis.pptx
@@ -144,2603 +144,6 @@
     </p:ext>
   </p:extLst>
 </p:presentation>
-</file>
-
-<file path=ppt/changesInfos/changesInfo1.xml><?xml version="1.0" encoding="utf-8"?>
-<pc:chgInfo xmlns:a="http://schemas.openxmlformats.org/drawingml/2006/main" xmlns:r="http://schemas.openxmlformats.org/officeDocument/2006/relationships" xmlns:ac="http://schemas.microsoft.com/office/drawing/2013/main/command" xmlns:pc="http://schemas.microsoft.com/office/powerpoint/2013/main/command">
-  <pc:docChgLst>
-    <pc:chgData name="Rodrigo De Pedro Lombao" userId="d9be6118aa640e54" providerId="Windows Live" clId="Web-{5EC0EEA2-0C06-4D4F-B08A-C96587674E56}"/>
-    <pc:docChg chg="modSld">
-      <pc:chgData name="Rodrigo De Pedro Lombao" userId="d9be6118aa640e54" providerId="Windows Live" clId="Web-{5EC0EEA2-0C06-4D4F-B08A-C96587674E56}" dt="2018-04-23T20:35:20.034" v="30"/>
-      <pc:docMkLst>
-        <pc:docMk/>
-      </pc:docMkLst>
-      <pc:sldChg chg="modSp">
-        <pc:chgData name="Rodrigo De Pedro Lombao" userId="d9be6118aa640e54" providerId="Windows Live" clId="Web-{5EC0EEA2-0C06-4D4F-B08A-C96587674E56}" dt="2018-04-23T20:32:45.113" v="20"/>
-        <pc:sldMkLst>
-          <pc:docMk/>
-          <pc:sldMk cId="3154945760" sldId="267"/>
-        </pc:sldMkLst>
-        <pc:spChg chg="mod">
-          <ac:chgData name="Rodrigo De Pedro Lombao" userId="d9be6118aa640e54" providerId="Windows Live" clId="Web-{5EC0EEA2-0C06-4D4F-B08A-C96587674E56}" dt="2018-04-23T20:32:45.113" v="20"/>
-          <ac:spMkLst>
-            <pc:docMk/>
-            <pc:sldMk cId="3154945760" sldId="267"/>
-            <ac:spMk id="3" creationId="{C7DCC549-0768-4143-9A7B-BD871B4BF64B}"/>
-          </ac:spMkLst>
-        </pc:spChg>
-      </pc:sldChg>
-      <pc:sldChg chg="modSp">
-        <pc:chgData name="Rodrigo De Pedro Lombao" userId="d9be6118aa640e54" providerId="Windows Live" clId="Web-{5EC0EEA2-0C06-4D4F-B08A-C96587674E56}" dt="2018-04-23T20:35:20.034" v="29"/>
-        <pc:sldMkLst>
-          <pc:docMk/>
-          <pc:sldMk cId="4266360956" sldId="268"/>
-        </pc:sldMkLst>
-        <pc:spChg chg="mod">
-          <ac:chgData name="Rodrigo De Pedro Lombao" userId="d9be6118aa640e54" providerId="Windows Live" clId="Web-{5EC0EEA2-0C06-4D4F-B08A-C96587674E56}" dt="2018-04-23T20:35:20.034" v="29"/>
-          <ac:spMkLst>
-            <pc:docMk/>
-            <pc:sldMk cId="4266360956" sldId="268"/>
-            <ac:spMk id="3" creationId="{288EA943-502C-4B26-B33F-7D15002CE7EE}"/>
-          </ac:spMkLst>
-        </pc:spChg>
-      </pc:sldChg>
-      <pc:sldChg chg="modSp">
-        <pc:chgData name="Rodrigo De Pedro Lombao" userId="d9be6118aa640e54" providerId="Windows Live" clId="Web-{5EC0EEA2-0C06-4D4F-B08A-C96587674E56}" dt="2018-04-23T20:32:25.534" v="18"/>
-        <pc:sldMkLst>
-          <pc:docMk/>
-          <pc:sldMk cId="2658821743" sldId="275"/>
-        </pc:sldMkLst>
-        <pc:spChg chg="mod">
-          <ac:chgData name="Rodrigo De Pedro Lombao" userId="d9be6118aa640e54" providerId="Windows Live" clId="Web-{5EC0EEA2-0C06-4D4F-B08A-C96587674E56}" dt="2018-04-23T20:32:25.534" v="18"/>
-          <ac:spMkLst>
-            <pc:docMk/>
-            <pc:sldMk cId="2658821743" sldId="275"/>
-            <ac:spMk id="3" creationId="{A5B98F25-734B-46E7-9031-F158E44D1820}"/>
-          </ac:spMkLst>
-        </pc:spChg>
-      </pc:sldChg>
-    </pc:docChg>
-  </pc:docChgLst>
-  <pc:docChgLst>
-    <pc:chgData name="Rodrigo De Pedro Lombao" userId="d9be6118aa640e54" providerId="Windows Live" clId="Web-{912893FF-6FFF-481D-A901-19938AF95908}"/>
-    <pc:docChg chg="addSld modSld sldOrd">
-      <pc:chgData name="Rodrigo De Pedro Lombao" userId="d9be6118aa640e54" providerId="Windows Live" clId="Web-{912893FF-6FFF-481D-A901-19938AF95908}" dt="2018-04-19T16:46:11.738" v="122"/>
-      <pc:docMkLst>
-        <pc:docMk/>
-      </pc:docMkLst>
-      <pc:sldChg chg="modSp">
-        <pc:chgData name="Rodrigo De Pedro Lombao" userId="d9be6118aa640e54" providerId="Windows Live" clId="Web-{912893FF-6FFF-481D-A901-19938AF95908}" dt="2018-04-19T16:45:16.206" v="121"/>
-        <pc:sldMkLst>
-          <pc:docMk/>
-          <pc:sldMk cId="400391142" sldId="259"/>
-        </pc:sldMkLst>
-        <pc:spChg chg="mod">
-          <ac:chgData name="Rodrigo De Pedro Lombao" userId="d9be6118aa640e54" providerId="Windows Live" clId="Web-{912893FF-6FFF-481D-A901-19938AF95908}" dt="2018-04-19T16:45:16.206" v="121"/>
-          <ac:spMkLst>
-            <pc:docMk/>
-            <pc:sldMk cId="400391142" sldId="259"/>
-            <ac:spMk id="3" creationId="{CDD877D3-489F-4072-A165-2347AB8B58EC}"/>
-          </ac:spMkLst>
-        </pc:spChg>
-      </pc:sldChg>
-      <pc:sldChg chg="modSp">
-        <pc:chgData name="Rodrigo De Pedro Lombao" userId="d9be6118aa640e54" providerId="Windows Live" clId="Web-{912893FF-6FFF-481D-A901-19938AF95908}" dt="2018-04-19T16:40:00.238" v="99"/>
-        <pc:sldMkLst>
-          <pc:docMk/>
-          <pc:sldMk cId="2715717901" sldId="262"/>
-        </pc:sldMkLst>
-        <pc:spChg chg="mod">
-          <ac:chgData name="Rodrigo De Pedro Lombao" userId="d9be6118aa640e54" providerId="Windows Live" clId="Web-{912893FF-6FFF-481D-A901-19938AF95908}" dt="2018-04-19T16:40:00.238" v="99"/>
-          <ac:spMkLst>
-            <pc:docMk/>
-            <pc:sldMk cId="2715717901" sldId="262"/>
-            <ac:spMk id="3" creationId="{84DCD1A7-55F9-4129-A956-1B0CBF50FDC3}"/>
-          </ac:spMkLst>
-        </pc:spChg>
-      </pc:sldChg>
-      <pc:sldChg chg="ord">
-        <pc:chgData name="Rodrigo De Pedro Lombao" userId="d9be6118aa640e54" providerId="Windows Live" clId="Web-{912893FF-6FFF-481D-A901-19938AF95908}" dt="2018-04-19T16:39:10.128" v="40"/>
-        <pc:sldMkLst>
-          <pc:docMk/>
-          <pc:sldMk cId="256979990" sldId="264"/>
-        </pc:sldMkLst>
-      </pc:sldChg>
-      <pc:sldChg chg="modSp new">
-        <pc:chgData name="Rodrigo De Pedro Lombao" userId="d9be6118aa640e54" providerId="Windows Live" clId="Web-{912893FF-6FFF-481D-A901-19938AF95908}" dt="2018-04-19T16:46:11.738" v="122"/>
-        <pc:sldMkLst>
-          <pc:docMk/>
-          <pc:sldMk cId="2884883685" sldId="265"/>
-        </pc:sldMkLst>
-        <pc:spChg chg="mod">
-          <ac:chgData name="Rodrigo De Pedro Lombao" userId="d9be6118aa640e54" providerId="Windows Live" clId="Web-{912893FF-6FFF-481D-A901-19938AF95908}" dt="2018-04-19T16:46:11.738" v="122"/>
-          <ac:spMkLst>
-            <pc:docMk/>
-            <pc:sldMk cId="2884883685" sldId="265"/>
-            <ac:spMk id="2" creationId="{86432F13-827A-480A-9E88-204B21E948A2}"/>
-          </ac:spMkLst>
-        </pc:spChg>
-      </pc:sldChg>
-    </pc:docChg>
-  </pc:docChgLst>
-  <pc:docChgLst>
-    <pc:chgData name="Rodrigo De Pedro Lombao" userId="d9be6118aa640e54" providerId="Windows Live" clId="Web-{2A632A6F-E7AD-4D48-BF46-0708FA9AA1C0}"/>
-    <pc:docChg chg="modSld">
-      <pc:chgData name="Rodrigo De Pedro Lombao" userId="d9be6118aa640e54" providerId="Windows Live" clId="Web-{2A632A6F-E7AD-4D48-BF46-0708FA9AA1C0}" dt="2018-04-21T16:02:23.953" v="256"/>
-      <pc:docMkLst>
-        <pc:docMk/>
-      </pc:docMkLst>
-      <pc:sldChg chg="modSp">
-        <pc:chgData name="Rodrigo De Pedro Lombao" userId="d9be6118aa640e54" providerId="Windows Live" clId="Web-{2A632A6F-E7AD-4D48-BF46-0708FA9AA1C0}" dt="2018-04-21T15:49:27.077" v="2"/>
-        <pc:sldMkLst>
-          <pc:docMk/>
-          <pc:sldMk cId="2296568263" sldId="257"/>
-        </pc:sldMkLst>
-        <pc:spChg chg="mod">
-          <ac:chgData name="Rodrigo De Pedro Lombao" userId="d9be6118aa640e54" providerId="Windows Live" clId="Web-{2A632A6F-E7AD-4D48-BF46-0708FA9AA1C0}" dt="2018-04-21T15:49:27.077" v="2"/>
-          <ac:spMkLst>
-            <pc:docMk/>
-            <pc:sldMk cId="2296568263" sldId="257"/>
-            <ac:spMk id="3" creationId="{C5F1936A-0079-4C3A-AF64-00A70C6201C4}"/>
-          </ac:spMkLst>
-        </pc:spChg>
-      </pc:sldChg>
-      <pc:sldChg chg="modSp">
-        <pc:chgData name="Rodrigo De Pedro Lombao" userId="d9be6118aa640e54" providerId="Windows Live" clId="Web-{2A632A6F-E7AD-4D48-BF46-0708FA9AA1C0}" dt="2018-04-21T15:51:56.140" v="13"/>
-        <pc:sldMkLst>
-          <pc:docMk/>
-          <pc:sldMk cId="2715717901" sldId="262"/>
-        </pc:sldMkLst>
-        <pc:spChg chg="mod">
-          <ac:chgData name="Rodrigo De Pedro Lombao" userId="d9be6118aa640e54" providerId="Windows Live" clId="Web-{2A632A6F-E7AD-4D48-BF46-0708FA9AA1C0}" dt="2018-04-21T15:51:56.140" v="13"/>
-          <ac:spMkLst>
-            <pc:docMk/>
-            <pc:sldMk cId="2715717901" sldId="262"/>
-            <ac:spMk id="3" creationId="{84DCD1A7-55F9-4129-A956-1B0CBF50FDC3}"/>
-          </ac:spMkLst>
-        </pc:spChg>
-      </pc:sldChg>
-      <pc:sldChg chg="modSp">
-        <pc:chgData name="Rodrigo De Pedro Lombao" userId="d9be6118aa640e54" providerId="Windows Live" clId="Web-{2A632A6F-E7AD-4D48-BF46-0708FA9AA1C0}" dt="2018-04-21T16:02:23.953" v="255"/>
-        <pc:sldMkLst>
-          <pc:docMk/>
-          <pc:sldMk cId="2827705627" sldId="263"/>
-        </pc:sldMkLst>
-        <pc:spChg chg="mod">
-          <ac:chgData name="Rodrigo De Pedro Lombao" userId="d9be6118aa640e54" providerId="Windows Live" clId="Web-{2A632A6F-E7AD-4D48-BF46-0708FA9AA1C0}" dt="2018-04-21T16:02:23.953" v="255"/>
-          <ac:spMkLst>
-            <pc:docMk/>
-            <pc:sldMk cId="2827705627" sldId="263"/>
-            <ac:spMk id="3" creationId="{931B2194-5167-48DC-AB25-5AD0754BF4E9}"/>
-          </ac:spMkLst>
-        </pc:spChg>
-      </pc:sldChg>
-    </pc:docChg>
-  </pc:docChgLst>
-  <pc:docChgLst>
-    <pc:chgData name="Rodrigo De Pedro Lombao" userId="d9be6118aa640e54" providerId="Windows Live" clId="Web-{EA6E5B0F-20BF-402B-9E04-087D6C8FE5B4}"/>
-    <pc:docChg chg="addSld modSld">
-      <pc:chgData name="Rodrigo De Pedro Lombao" userId="d9be6118aa640e54" providerId="Windows Live" clId="Web-{EA6E5B0F-20BF-402B-9E04-087D6C8FE5B4}" dt="2018-04-23T16:24:43.605" v="229"/>
-      <pc:docMkLst>
-        <pc:docMk/>
-      </pc:docMkLst>
-      <pc:sldChg chg="modSp new">
-        <pc:chgData name="Rodrigo De Pedro Lombao" userId="d9be6118aa640e54" providerId="Windows Live" clId="Web-{EA6E5B0F-20BF-402B-9E04-087D6C8FE5B4}" dt="2018-04-23T16:24:41.621" v="227"/>
-        <pc:sldMkLst>
-          <pc:docMk/>
-          <pc:sldMk cId="465187963" sldId="270"/>
-        </pc:sldMkLst>
-        <pc:spChg chg="mod">
-          <ac:chgData name="Rodrigo De Pedro Lombao" userId="d9be6118aa640e54" providerId="Windows Live" clId="Web-{EA6E5B0F-20BF-402B-9E04-087D6C8FE5B4}" dt="2018-04-23T16:20:02.651" v="4"/>
-          <ac:spMkLst>
-            <pc:docMk/>
-            <pc:sldMk cId="465187963" sldId="270"/>
-            <ac:spMk id="2" creationId="{2898E740-A17E-455A-8534-AAC0AF19E1B6}"/>
-          </ac:spMkLst>
-        </pc:spChg>
-        <pc:spChg chg="mod">
-          <ac:chgData name="Rodrigo De Pedro Lombao" userId="d9be6118aa640e54" providerId="Windows Live" clId="Web-{EA6E5B0F-20BF-402B-9E04-087D6C8FE5B4}" dt="2018-04-23T16:24:41.621" v="227"/>
-          <ac:spMkLst>
-            <pc:docMk/>
-            <pc:sldMk cId="465187963" sldId="270"/>
-            <ac:spMk id="3" creationId="{193ABBCB-C046-4F57-9AD0-B34108269866}"/>
-          </ac:spMkLst>
-        </pc:spChg>
-      </pc:sldChg>
-    </pc:docChg>
-  </pc:docChgLst>
-  <pc:docChgLst>
-    <pc:chgData name="Rodrigo De Pedro Lombao" userId="d9be6118aa640e54" providerId="Windows Live" clId="Web-{BE22354B-24D9-4420-B79F-40B706DD8F88}"/>
-    <pc:docChg chg="addSld delSld modSld">
-      <pc:chgData name="Rodrigo De Pedro Lombao" userId="d9be6118aa640e54" providerId="Windows Live" clId="Web-{BE22354B-24D9-4420-B79F-40B706DD8F88}" dt="2018-04-25T20:25:36.412" v="186"/>
-      <pc:docMkLst>
-        <pc:docMk/>
-      </pc:docMkLst>
-      <pc:sldChg chg="addSp delSp modSp addAnim delAnim modAnim">
-        <pc:chgData name="Rodrigo De Pedro Lombao" userId="d9be6118aa640e54" providerId="Windows Live" clId="Web-{BE22354B-24D9-4420-B79F-40B706DD8F88}" dt="2018-04-25T20:11:42.958" v="50"/>
-        <pc:sldMkLst>
-          <pc:docMk/>
-          <pc:sldMk cId="2296568263" sldId="257"/>
-        </pc:sldMkLst>
-        <pc:spChg chg="mod">
-          <ac:chgData name="Rodrigo De Pedro Lombao" userId="d9be6118aa640e54" providerId="Windows Live" clId="Web-{BE22354B-24D9-4420-B79F-40B706DD8F88}" dt="2018-04-25T20:11:31.599" v="47"/>
-          <ac:spMkLst>
-            <pc:docMk/>
-            <pc:sldMk cId="2296568263" sldId="257"/>
-            <ac:spMk id="3" creationId="{C5F1936A-0079-4C3A-AF64-00A70C6201C4}"/>
-          </ac:spMkLst>
-        </pc:spChg>
-        <pc:spChg chg="add del mod">
-          <ac:chgData name="Rodrigo De Pedro Lombao" userId="d9be6118aa640e54" providerId="Windows Live" clId="Web-{BE22354B-24D9-4420-B79F-40B706DD8F88}" dt="2018-04-25T20:09:42.536" v="7"/>
-          <ac:spMkLst>
-            <pc:docMk/>
-            <pc:sldMk cId="2296568263" sldId="257"/>
-            <ac:spMk id="5" creationId="{46CE11C0-4534-4032-9FA3-350B91722746}"/>
-          </ac:spMkLst>
-        </pc:spChg>
-        <pc:spChg chg="add del mod">
-          <ac:chgData name="Rodrigo De Pedro Lombao" userId="d9be6118aa640e54" providerId="Windows Live" clId="Web-{BE22354B-24D9-4420-B79F-40B706DD8F88}" dt="2018-04-25T20:11:42.958" v="50"/>
-          <ac:spMkLst>
-            <pc:docMk/>
-            <pc:sldMk cId="2296568263" sldId="257"/>
-            <ac:spMk id="7" creationId="{FC0E90F3-D146-4634-9B33-4B02C6F6EA94}"/>
-          </ac:spMkLst>
-        </pc:spChg>
-        <pc:spChg chg="add del mod">
-          <ac:chgData name="Rodrigo De Pedro Lombao" userId="d9be6118aa640e54" providerId="Windows Live" clId="Web-{BE22354B-24D9-4420-B79F-40B706DD8F88}" dt="2018-04-25T20:11:38.818" v="49"/>
-          <ac:spMkLst>
-            <pc:docMk/>
-            <pc:sldMk cId="2296568263" sldId="257"/>
-            <ac:spMk id="9" creationId="{23E7BA14-79DC-451A-9A59-A892E84EE615}"/>
-          </ac:spMkLst>
-        </pc:spChg>
-        <pc:spChg chg="add del mod">
-          <ac:chgData name="Rodrigo De Pedro Lombao" userId="d9be6118aa640e54" providerId="Windows Live" clId="Web-{BE22354B-24D9-4420-B79F-40B706DD8F88}" dt="2018-04-25T20:11:36.302" v="48"/>
-          <ac:spMkLst>
-            <pc:docMk/>
-            <pc:sldMk cId="2296568263" sldId="257"/>
-            <ac:spMk id="11" creationId="{20BC4EAA-24AF-4751-A684-00A3D88EA977}"/>
-          </ac:spMkLst>
-        </pc:spChg>
-        <pc:picChg chg="add del">
-          <ac:chgData name="Rodrigo De Pedro Lombao" userId="d9be6118aa640e54" providerId="Windows Live" clId="Web-{BE22354B-24D9-4420-B79F-40B706DD8F88}" dt="2018-04-25T20:09:39.474" v="6"/>
-          <ac:picMkLst>
-            <pc:docMk/>
-            <pc:sldMk cId="2296568263" sldId="257"/>
-            <ac:picMk id="4" creationId="{A73D0747-2B48-4C88-B056-DA6E515E0C91}"/>
-          </ac:picMkLst>
-        </pc:picChg>
-      </pc:sldChg>
-      <pc:sldChg chg="addSp modSp">
-        <pc:chgData name="Rodrigo De Pedro Lombao" userId="d9be6118aa640e54" providerId="Windows Live" clId="Web-{BE22354B-24D9-4420-B79F-40B706DD8F88}" dt="2018-04-25T20:15:05.396" v="100"/>
-        <pc:sldMkLst>
-          <pc:docMk/>
-          <pc:sldMk cId="2835357801" sldId="266"/>
-        </pc:sldMkLst>
-        <pc:spChg chg="mod">
-          <ac:chgData name="Rodrigo De Pedro Lombao" userId="d9be6118aa640e54" providerId="Windows Live" clId="Web-{BE22354B-24D9-4420-B79F-40B706DD8F88}" dt="2018-04-25T20:14:58.865" v="98"/>
-          <ac:spMkLst>
-            <pc:docMk/>
-            <pc:sldMk cId="2835357801" sldId="266"/>
-            <ac:spMk id="3" creationId="{73DE7649-426B-4723-99E7-F2BF42B546F4}"/>
-          </ac:spMkLst>
-        </pc:spChg>
-        <pc:spChg chg="add mod">
-          <ac:chgData name="Rodrigo De Pedro Lombao" userId="d9be6118aa640e54" providerId="Windows Live" clId="Web-{BE22354B-24D9-4420-B79F-40B706DD8F88}" dt="2018-04-25T20:14:53.959" v="97"/>
-          <ac:spMkLst>
-            <pc:docMk/>
-            <pc:sldMk cId="2835357801" sldId="266"/>
-            <ac:spMk id="7" creationId="{92701B77-E2BD-4380-B433-5960E2E2592E}"/>
-          </ac:spMkLst>
-        </pc:spChg>
-        <pc:picChg chg="add mod">
-          <ac:chgData name="Rodrigo De Pedro Lombao" userId="d9be6118aa640e54" providerId="Windows Live" clId="Web-{BE22354B-24D9-4420-B79F-40B706DD8F88}" dt="2018-04-25T20:15:05.396" v="100"/>
-          <ac:picMkLst>
-            <pc:docMk/>
-            <pc:sldMk cId="2835357801" sldId="266"/>
-            <ac:picMk id="4" creationId="{3548E1ED-73F9-4905-B676-619323823925}"/>
-          </ac:picMkLst>
-        </pc:picChg>
-      </pc:sldChg>
-      <pc:sldChg chg="modSp">
-        <pc:chgData name="Rodrigo De Pedro Lombao" userId="d9be6118aa640e54" providerId="Windows Live" clId="Web-{BE22354B-24D9-4420-B79F-40B706DD8F88}" dt="2018-04-25T20:16:38.740" v="105"/>
-        <pc:sldMkLst>
-          <pc:docMk/>
-          <pc:sldMk cId="3154945760" sldId="267"/>
-        </pc:sldMkLst>
-        <pc:spChg chg="mod">
-          <ac:chgData name="Rodrigo De Pedro Lombao" userId="d9be6118aa640e54" providerId="Windows Live" clId="Web-{BE22354B-24D9-4420-B79F-40B706DD8F88}" dt="2018-04-25T20:16:38.740" v="105"/>
-          <ac:spMkLst>
-            <pc:docMk/>
-            <pc:sldMk cId="3154945760" sldId="267"/>
-            <ac:spMk id="2" creationId="{34F91396-DBF4-4FB6-8376-B85A729AE4E4}"/>
-          </ac:spMkLst>
-        </pc:spChg>
-      </pc:sldChg>
-      <pc:sldChg chg="modSp add del">
-        <pc:chgData name="Rodrigo De Pedro Lombao" userId="d9be6118aa640e54" providerId="Windows Live" clId="Web-{BE22354B-24D9-4420-B79F-40B706DD8F88}" dt="2018-04-25T20:17:53.521" v="168"/>
-        <pc:sldMkLst>
-          <pc:docMk/>
-          <pc:sldMk cId="4266360956" sldId="268"/>
-        </pc:sldMkLst>
-        <pc:spChg chg="mod">
-          <ac:chgData name="Rodrigo De Pedro Lombao" userId="d9be6118aa640e54" providerId="Windows Live" clId="Web-{BE22354B-24D9-4420-B79F-40B706DD8F88}" dt="2018-04-25T20:17:53.521" v="168"/>
-          <ac:spMkLst>
-            <pc:docMk/>
-            <pc:sldMk cId="4266360956" sldId="268"/>
-            <ac:spMk id="3" creationId="{288EA943-502C-4B26-B33F-7D15002CE7EE}"/>
-          </ac:spMkLst>
-        </pc:spChg>
-      </pc:sldChg>
-      <pc:sldChg chg="addSp delSp modSp new">
-        <pc:chgData name="Rodrigo De Pedro Lombao" userId="d9be6118aa640e54" providerId="Windows Live" clId="Web-{BE22354B-24D9-4420-B79F-40B706DD8F88}" dt="2018-04-25T20:25:36.412" v="186"/>
-        <pc:sldMkLst>
-          <pc:docMk/>
-          <pc:sldMk cId="2038135226" sldId="284"/>
-        </pc:sldMkLst>
-        <pc:spChg chg="mod">
-          <ac:chgData name="Rodrigo De Pedro Lombao" userId="d9be6118aa640e54" providerId="Windows Live" clId="Web-{BE22354B-24D9-4420-B79F-40B706DD8F88}" dt="2018-04-25T20:24:46.318" v="181"/>
-          <ac:spMkLst>
-            <pc:docMk/>
-            <pc:sldMk cId="2038135226" sldId="284"/>
-            <ac:spMk id="2" creationId="{A09B3FA8-B7AF-4B52-8106-187B90B21978}"/>
-          </ac:spMkLst>
-        </pc:spChg>
-        <pc:spChg chg="del">
-          <ac:chgData name="Rodrigo De Pedro Lombao" userId="d9be6118aa640e54" providerId="Windows Live" clId="Web-{BE22354B-24D9-4420-B79F-40B706DD8F88}" dt="2018-04-25T20:24:26.115" v="177"/>
-          <ac:spMkLst>
-            <pc:docMk/>
-            <pc:sldMk cId="2038135226" sldId="284"/>
-            <ac:spMk id="3" creationId="{8E39AC0F-1AF0-4117-867D-AD5058655E0E}"/>
-          </ac:spMkLst>
-        </pc:spChg>
-        <pc:picChg chg="add mod ord">
-          <ac:chgData name="Rodrigo De Pedro Lombao" userId="d9be6118aa640e54" providerId="Windows Live" clId="Web-{BE22354B-24D9-4420-B79F-40B706DD8F88}" dt="2018-04-25T20:25:36.412" v="186"/>
-          <ac:picMkLst>
-            <pc:docMk/>
-            <pc:sldMk cId="2038135226" sldId="284"/>
-            <ac:picMk id="4" creationId="{4AFE7708-B5A4-4480-A2F0-1F848BEF6404}"/>
-          </ac:picMkLst>
-        </pc:picChg>
-      </pc:sldChg>
-    </pc:docChg>
-  </pc:docChgLst>
-  <pc:docChgLst>
-    <pc:chgData name="Rodrigo De Pedro Lombao" userId="d9be6118aa640e54" providerId="Windows Live" clId="Web-{0B318C7E-D8C7-411F-8130-24EEA6577DDC}"/>
-    <pc:docChg chg="modSld">
-      <pc:chgData name="Rodrigo De Pedro Lombao" userId="d9be6118aa640e54" providerId="Windows Live" clId="Web-{0B318C7E-D8C7-411F-8130-24EEA6577DDC}" dt="2018-04-24T20:40:31.181" v="19"/>
-      <pc:docMkLst>
-        <pc:docMk/>
-      </pc:docMkLst>
-      <pc:sldChg chg="modSp">
-        <pc:chgData name="Rodrigo De Pedro Lombao" userId="d9be6118aa640e54" providerId="Windows Live" clId="Web-{0B318C7E-D8C7-411F-8130-24EEA6577DDC}" dt="2018-04-24T20:40:26.509" v="16"/>
-        <pc:sldMkLst>
-          <pc:docMk/>
-          <pc:sldMk cId="2715717901" sldId="262"/>
-        </pc:sldMkLst>
-        <pc:spChg chg="mod">
-          <ac:chgData name="Rodrigo De Pedro Lombao" userId="d9be6118aa640e54" providerId="Windows Live" clId="Web-{0B318C7E-D8C7-411F-8130-24EEA6577DDC}" dt="2018-04-24T20:40:26.509" v="16"/>
-          <ac:spMkLst>
-            <pc:docMk/>
-            <pc:sldMk cId="2715717901" sldId="262"/>
-            <ac:spMk id="3" creationId="{84DCD1A7-55F9-4129-A956-1B0CBF50FDC3}"/>
-          </ac:spMkLst>
-        </pc:spChg>
-      </pc:sldChg>
-      <pc:sldChg chg="modSp">
-        <pc:chgData name="Rodrigo De Pedro Lombao" userId="d9be6118aa640e54" providerId="Windows Live" clId="Web-{0B318C7E-D8C7-411F-8130-24EEA6577DDC}" dt="2018-04-24T20:40:30.306" v="17"/>
-        <pc:sldMkLst>
-          <pc:docMk/>
-          <pc:sldMk cId="1685337294" sldId="281"/>
-        </pc:sldMkLst>
-        <pc:spChg chg="mod">
-          <ac:chgData name="Rodrigo De Pedro Lombao" userId="d9be6118aa640e54" providerId="Windows Live" clId="Web-{0B318C7E-D8C7-411F-8130-24EEA6577DDC}" dt="2018-04-24T20:40:30.306" v="17"/>
-          <ac:spMkLst>
-            <pc:docMk/>
-            <pc:sldMk cId="1685337294" sldId="281"/>
-            <ac:spMk id="3" creationId="{12EA94CB-7C85-46A2-9FBB-6A96CBBCC4AE}"/>
-          </ac:spMkLst>
-        </pc:spChg>
-      </pc:sldChg>
-    </pc:docChg>
-  </pc:docChgLst>
-  <pc:docChgLst>
-    <pc:chgData name="Rodrigo De Pedro Lombao" userId="d9be6118aa640e54" providerId="Windows Live" clId="Web-{3DBF9626-6A09-4C9A-818C-06AB2111ECE4}"/>
-    <pc:docChg chg="modSld">
-      <pc:chgData name="Rodrigo De Pedro Lombao" userId="d9be6118aa640e54" providerId="Windows Live" clId="Web-{3DBF9626-6A09-4C9A-818C-06AB2111ECE4}" dt="2018-04-23T23:03:39.149" v="24"/>
-      <pc:docMkLst>
-        <pc:docMk/>
-      </pc:docMkLst>
-      <pc:sldChg chg="modSp">
-        <pc:chgData name="Rodrigo De Pedro Lombao" userId="d9be6118aa640e54" providerId="Windows Live" clId="Web-{3DBF9626-6A09-4C9A-818C-06AB2111ECE4}" dt="2018-04-23T23:02:19.211" v="4"/>
-        <pc:sldMkLst>
-          <pc:docMk/>
-          <pc:sldMk cId="3768521968" sldId="269"/>
-        </pc:sldMkLst>
-        <pc:spChg chg="mod">
-          <ac:chgData name="Rodrigo De Pedro Lombao" userId="d9be6118aa640e54" providerId="Windows Live" clId="Web-{3DBF9626-6A09-4C9A-818C-06AB2111ECE4}" dt="2018-04-23T23:02:19.211" v="4"/>
-          <ac:spMkLst>
-            <pc:docMk/>
-            <pc:sldMk cId="3768521968" sldId="269"/>
-            <ac:spMk id="3" creationId="{09032BB1-7C32-4432-A657-346A12360023}"/>
-          </ac:spMkLst>
-        </pc:spChg>
-      </pc:sldChg>
-      <pc:sldChg chg="modSp">
-        <pc:chgData name="Rodrigo De Pedro Lombao" userId="d9be6118aa640e54" providerId="Windows Live" clId="Web-{3DBF9626-6A09-4C9A-818C-06AB2111ECE4}" dt="2018-04-23T23:02:26.961" v="7"/>
-        <pc:sldMkLst>
-          <pc:docMk/>
-          <pc:sldMk cId="465187963" sldId="270"/>
-        </pc:sldMkLst>
-        <pc:spChg chg="mod">
-          <ac:chgData name="Rodrigo De Pedro Lombao" userId="d9be6118aa640e54" providerId="Windows Live" clId="Web-{3DBF9626-6A09-4C9A-818C-06AB2111ECE4}" dt="2018-04-23T23:02:26.961" v="7"/>
-          <ac:spMkLst>
-            <pc:docMk/>
-            <pc:sldMk cId="465187963" sldId="270"/>
-            <ac:spMk id="3" creationId="{193ABBCB-C046-4F57-9AD0-B34108269866}"/>
-          </ac:spMkLst>
-        </pc:spChg>
-      </pc:sldChg>
-      <pc:sldChg chg="modSp">
-        <pc:chgData name="Rodrigo De Pedro Lombao" userId="d9be6118aa640e54" providerId="Windows Live" clId="Web-{3DBF9626-6A09-4C9A-818C-06AB2111ECE4}" dt="2018-04-23T23:02:36.336" v="12"/>
-        <pc:sldMkLst>
-          <pc:docMk/>
-          <pc:sldMk cId="1936381969" sldId="271"/>
-        </pc:sldMkLst>
-        <pc:spChg chg="mod">
-          <ac:chgData name="Rodrigo De Pedro Lombao" userId="d9be6118aa640e54" providerId="Windows Live" clId="Web-{3DBF9626-6A09-4C9A-818C-06AB2111ECE4}" dt="2018-04-23T23:02:36.336" v="12"/>
-          <ac:spMkLst>
-            <pc:docMk/>
-            <pc:sldMk cId="1936381969" sldId="271"/>
-            <ac:spMk id="3" creationId="{D7EFF73C-76A3-4F9A-849F-ADCABC8F7251}"/>
-          </ac:spMkLst>
-        </pc:spChg>
-      </pc:sldChg>
-      <pc:sldChg chg="modSp">
-        <pc:chgData name="Rodrigo De Pedro Lombao" userId="d9be6118aa640e54" providerId="Windows Live" clId="Web-{3DBF9626-6A09-4C9A-818C-06AB2111ECE4}" dt="2018-04-23T23:03:10.867" v="21"/>
-        <pc:sldMkLst>
-          <pc:docMk/>
-          <pc:sldMk cId="714381950" sldId="274"/>
-        </pc:sldMkLst>
-        <pc:spChg chg="mod">
-          <ac:chgData name="Rodrigo De Pedro Lombao" userId="d9be6118aa640e54" providerId="Windows Live" clId="Web-{3DBF9626-6A09-4C9A-818C-06AB2111ECE4}" dt="2018-04-23T23:03:10.867" v="21"/>
-          <ac:spMkLst>
-            <pc:docMk/>
-            <pc:sldMk cId="714381950" sldId="274"/>
-            <ac:spMk id="3" creationId="{C7326D4D-D5E5-4B59-BF45-6AD6B259E131}"/>
-          </ac:spMkLst>
-        </pc:spChg>
-      </pc:sldChg>
-      <pc:sldChg chg="modSp">
-        <pc:chgData name="Rodrigo De Pedro Lombao" userId="d9be6118aa640e54" providerId="Windows Live" clId="Web-{3DBF9626-6A09-4C9A-818C-06AB2111ECE4}" dt="2018-04-23T23:00:19.833" v="2"/>
-        <pc:sldMkLst>
-          <pc:docMk/>
-          <pc:sldMk cId="1340754361" sldId="277"/>
-        </pc:sldMkLst>
-        <pc:spChg chg="mod">
-          <ac:chgData name="Rodrigo De Pedro Lombao" userId="d9be6118aa640e54" providerId="Windows Live" clId="Web-{3DBF9626-6A09-4C9A-818C-06AB2111ECE4}" dt="2018-04-23T23:00:19.833" v="2"/>
-          <ac:spMkLst>
-            <pc:docMk/>
-            <pc:sldMk cId="1340754361" sldId="277"/>
-            <ac:spMk id="3" creationId="{19A4AE19-BD27-47EE-A138-657A575EB1FC}"/>
-          </ac:spMkLst>
-        </pc:spChg>
-      </pc:sldChg>
-      <pc:sldChg chg="modSp">
-        <pc:chgData name="Rodrigo De Pedro Lombao" userId="d9be6118aa640e54" providerId="Windows Live" clId="Web-{3DBF9626-6A09-4C9A-818C-06AB2111ECE4}" dt="2018-04-23T23:03:39.149" v="24"/>
-        <pc:sldMkLst>
-          <pc:docMk/>
-          <pc:sldMk cId="2105713907" sldId="278"/>
-        </pc:sldMkLst>
-        <pc:spChg chg="mod">
-          <ac:chgData name="Rodrigo De Pedro Lombao" userId="d9be6118aa640e54" providerId="Windows Live" clId="Web-{3DBF9626-6A09-4C9A-818C-06AB2111ECE4}" dt="2018-04-23T23:03:39.149" v="24"/>
-          <ac:spMkLst>
-            <pc:docMk/>
-            <pc:sldMk cId="2105713907" sldId="278"/>
-            <ac:spMk id="3" creationId="{19A4AE19-BD27-47EE-A138-657A575EB1FC}"/>
-          </ac:spMkLst>
-        </pc:spChg>
-      </pc:sldChg>
-    </pc:docChg>
-  </pc:docChgLst>
-  <pc:docChgLst>
-    <pc:chgData name="Rodrigo De Pedro Lombao" userId="d9be6118aa640e54" providerId="Windows Live" clId="Web-{CC6C1346-3CB5-4CC2-A82B-17575C9240FF}"/>
-    <pc:docChg chg="addSld modSld modSection">
-      <pc:chgData name="Rodrigo De Pedro Lombao" userId="d9be6118aa640e54" providerId="Windows Live" clId="Web-{CC6C1346-3CB5-4CC2-A82B-17575C9240FF}" dt="2018-02-13T15:48:39.159" v="12"/>
-      <pc:docMkLst>
-        <pc:docMk/>
-      </pc:docMkLst>
-      <pc:sldChg chg="modSp new">
-        <pc:chgData name="Rodrigo De Pedro Lombao" userId="d9be6118aa640e54" providerId="Windows Live" clId="Web-{CC6C1346-3CB5-4CC2-A82B-17575C9240FF}" dt="2018-02-13T15:48:26.346" v="5"/>
-        <pc:sldMkLst>
-          <pc:docMk/>
-          <pc:sldMk cId="2715717901" sldId="262"/>
-        </pc:sldMkLst>
-        <pc:spChg chg="mod">
-          <ac:chgData name="Rodrigo De Pedro Lombao" userId="d9be6118aa640e54" providerId="Windows Live" clId="Web-{CC6C1346-3CB5-4CC2-A82B-17575C9240FF}" dt="2018-02-13T15:48:26.346" v="5"/>
-          <ac:spMkLst>
-            <pc:docMk/>
-            <pc:sldMk cId="2715717901" sldId="262"/>
-            <ac:spMk id="2" creationId="{75265364-51E2-4424-8363-517998C14A3A}"/>
-          </ac:spMkLst>
-        </pc:spChg>
-      </pc:sldChg>
-      <pc:sldChg chg="modSp new">
-        <pc:chgData name="Rodrigo De Pedro Lombao" userId="d9be6118aa640e54" providerId="Windows Live" clId="Web-{CC6C1346-3CB5-4CC2-A82B-17575C9240FF}" dt="2018-02-13T15:48:39.159" v="12"/>
-        <pc:sldMkLst>
-          <pc:docMk/>
-          <pc:sldMk cId="2827705627" sldId="263"/>
-        </pc:sldMkLst>
-        <pc:spChg chg="mod">
-          <ac:chgData name="Rodrigo De Pedro Lombao" userId="d9be6118aa640e54" providerId="Windows Live" clId="Web-{CC6C1346-3CB5-4CC2-A82B-17575C9240FF}" dt="2018-02-13T15:48:39.159" v="12"/>
-          <ac:spMkLst>
-            <pc:docMk/>
-            <pc:sldMk cId="2827705627" sldId="263"/>
-            <ac:spMk id="2" creationId="{A1E349BE-5A7F-444C-965F-B082758EC8EB}"/>
-          </ac:spMkLst>
-        </pc:spChg>
-      </pc:sldChg>
-    </pc:docChg>
-  </pc:docChgLst>
-  <pc:docChgLst>
-    <pc:chgData name="Rodrigo De Pedro Lombao" userId="d9be6118aa640e54" providerId="Windows Live" clId="Web-{2FA4AC34-F592-4418-81B2-515CB91C5B19}"/>
-    <pc:docChg chg="addSld delSld modSld sldOrd">
-      <pc:chgData name="Rodrigo De Pedro Lombao" userId="d9be6118aa640e54" providerId="Windows Live" clId="Web-{2FA4AC34-F592-4418-81B2-515CB91C5B19}" dt="2018-04-24T16:43:05.929" v="1807"/>
-      <pc:docMkLst>
-        <pc:docMk/>
-      </pc:docMkLst>
-      <pc:sldChg chg="addSp delSp modSp">
-        <pc:chgData name="Rodrigo De Pedro Lombao" userId="d9be6118aa640e54" providerId="Windows Live" clId="Web-{2FA4AC34-F592-4418-81B2-515CB91C5B19}" dt="2018-04-24T16:25:57.178" v="1554"/>
-        <pc:sldMkLst>
-          <pc:docMk/>
-          <pc:sldMk cId="400391142" sldId="259"/>
-        </pc:sldMkLst>
-        <pc:spChg chg="mod">
-          <ac:chgData name="Rodrigo De Pedro Lombao" userId="d9be6118aa640e54" providerId="Windows Live" clId="Web-{2FA4AC34-F592-4418-81B2-515CB91C5B19}" dt="2018-04-24T16:25:57.178" v="1554"/>
-          <ac:spMkLst>
-            <pc:docMk/>
-            <pc:sldMk cId="400391142" sldId="259"/>
-            <ac:spMk id="3" creationId="{CDD877D3-489F-4072-A165-2347AB8B58EC}"/>
-          </ac:spMkLst>
-        </pc:spChg>
-        <pc:picChg chg="add del mod">
-          <ac:chgData name="Rodrigo De Pedro Lombao" userId="d9be6118aa640e54" providerId="Windows Live" clId="Web-{2FA4AC34-F592-4418-81B2-515CB91C5B19}" dt="2018-04-24T16:23:33.208" v="1536"/>
-          <ac:picMkLst>
-            <pc:docMk/>
-            <pc:sldMk cId="400391142" sldId="259"/>
-            <ac:picMk id="4" creationId="{92F0FE90-C36C-44E5-A4FA-712422E71DB3}"/>
-          </ac:picMkLst>
-        </pc:picChg>
-        <pc:picChg chg="add mod">
-          <ac:chgData name="Rodrigo De Pedro Lombao" userId="d9be6118aa640e54" providerId="Windows Live" clId="Web-{2FA4AC34-F592-4418-81B2-515CB91C5B19}" dt="2018-04-24T16:25:40.318" v="1552"/>
-          <ac:picMkLst>
-            <pc:docMk/>
-            <pc:sldMk cId="400391142" sldId="259"/>
-            <ac:picMk id="6" creationId="{F876993A-5F6E-48D8-B25C-824375B9CFFB}"/>
-          </ac:picMkLst>
-        </pc:picChg>
-      </pc:sldChg>
-      <pc:sldChg chg="modSp">
-        <pc:chgData name="Rodrigo De Pedro Lombao" userId="d9be6118aa640e54" providerId="Windows Live" clId="Web-{2FA4AC34-F592-4418-81B2-515CB91C5B19}" dt="2018-04-24T16:27:14.194" v="1575"/>
-        <pc:sldMkLst>
-          <pc:docMk/>
-          <pc:sldMk cId="2715717901" sldId="262"/>
-        </pc:sldMkLst>
-        <pc:spChg chg="mod">
-          <ac:chgData name="Rodrigo De Pedro Lombao" userId="d9be6118aa640e54" providerId="Windows Live" clId="Web-{2FA4AC34-F592-4418-81B2-515CB91C5B19}" dt="2018-04-24T16:27:14.194" v="1575"/>
-          <ac:spMkLst>
-            <pc:docMk/>
-            <pc:sldMk cId="2715717901" sldId="262"/>
-            <ac:spMk id="3" creationId="{84DCD1A7-55F9-4129-A956-1B0CBF50FDC3}"/>
-          </ac:spMkLst>
-        </pc:spChg>
-      </pc:sldChg>
-      <pc:sldChg chg="modSp">
-        <pc:chgData name="Rodrigo De Pedro Lombao" userId="d9be6118aa640e54" providerId="Windows Live" clId="Web-{2FA4AC34-F592-4418-81B2-515CB91C5B19}" dt="2018-04-24T16:34:41.946" v="1654"/>
-        <pc:sldMkLst>
-          <pc:docMk/>
-          <pc:sldMk cId="2827705627" sldId="263"/>
-        </pc:sldMkLst>
-        <pc:spChg chg="mod">
-          <ac:chgData name="Rodrigo De Pedro Lombao" userId="d9be6118aa640e54" providerId="Windows Live" clId="Web-{2FA4AC34-F592-4418-81B2-515CB91C5B19}" dt="2018-04-24T16:34:41.946" v="1654"/>
-          <ac:spMkLst>
-            <pc:docMk/>
-            <pc:sldMk cId="2827705627" sldId="263"/>
-            <ac:spMk id="3" creationId="{931B2194-5167-48DC-AB25-5AD0754BF4E9}"/>
-          </ac:spMkLst>
-        </pc:spChg>
-      </pc:sldChg>
-      <pc:sldChg chg="modSp">
-        <pc:chgData name="Rodrigo De Pedro Lombao" userId="d9be6118aa640e54" providerId="Windows Live" clId="Web-{2FA4AC34-F592-4418-81B2-515CB91C5B19}" dt="2018-04-24T16:41:22.632" v="1758"/>
-        <pc:sldMkLst>
-          <pc:docMk/>
-          <pc:sldMk cId="2835357801" sldId="266"/>
-        </pc:sldMkLst>
-        <pc:spChg chg="mod">
-          <ac:chgData name="Rodrigo De Pedro Lombao" userId="d9be6118aa640e54" providerId="Windows Live" clId="Web-{2FA4AC34-F592-4418-81B2-515CB91C5B19}" dt="2018-04-24T16:41:22.632" v="1758"/>
-          <ac:spMkLst>
-            <pc:docMk/>
-            <pc:sldMk cId="2835357801" sldId="266"/>
-            <ac:spMk id="3" creationId="{73DE7649-426B-4723-99E7-F2BF42B546F4}"/>
-          </ac:spMkLst>
-        </pc:spChg>
-      </pc:sldChg>
-      <pc:sldChg chg="modSp">
-        <pc:chgData name="Rodrigo De Pedro Lombao" userId="d9be6118aa640e54" providerId="Windows Live" clId="Web-{2FA4AC34-F592-4418-81B2-515CB91C5B19}" dt="2018-04-24T16:41:35.820" v="1760"/>
-        <pc:sldMkLst>
-          <pc:docMk/>
-          <pc:sldMk cId="3154945760" sldId="267"/>
-        </pc:sldMkLst>
-        <pc:spChg chg="mod">
-          <ac:chgData name="Rodrigo De Pedro Lombao" userId="d9be6118aa640e54" providerId="Windows Live" clId="Web-{2FA4AC34-F592-4418-81B2-515CB91C5B19}" dt="2018-04-24T16:41:35.820" v="1760"/>
-          <ac:spMkLst>
-            <pc:docMk/>
-            <pc:sldMk cId="3154945760" sldId="267"/>
-            <ac:spMk id="3" creationId="{C7DCC549-0768-4143-9A7B-BD871B4BF64B}"/>
-          </ac:spMkLst>
-        </pc:spChg>
-      </pc:sldChg>
-      <pc:sldChg chg="modSp">
-        <pc:chgData name="Rodrigo De Pedro Lombao" userId="d9be6118aa640e54" providerId="Windows Live" clId="Web-{2FA4AC34-F592-4418-81B2-515CB91C5B19}" dt="2018-04-24T16:42:32.804" v="1800"/>
-        <pc:sldMkLst>
-          <pc:docMk/>
-          <pc:sldMk cId="4266360956" sldId="268"/>
-        </pc:sldMkLst>
-        <pc:spChg chg="mod">
-          <ac:chgData name="Rodrigo De Pedro Lombao" userId="d9be6118aa640e54" providerId="Windows Live" clId="Web-{2FA4AC34-F592-4418-81B2-515CB91C5B19}" dt="2018-04-24T16:42:32.804" v="1800"/>
-          <ac:spMkLst>
-            <pc:docMk/>
-            <pc:sldMk cId="4266360956" sldId="268"/>
-            <ac:spMk id="3" creationId="{288EA943-502C-4B26-B33F-7D15002CE7EE}"/>
-          </ac:spMkLst>
-        </pc:spChg>
-      </pc:sldChg>
-      <pc:sldChg chg="modSp">
-        <pc:chgData name="Rodrigo De Pedro Lombao" userId="d9be6118aa640e54" providerId="Windows Live" clId="Web-{2FA4AC34-F592-4418-81B2-515CB91C5B19}" dt="2018-04-24T16:42:47.273" v="1804"/>
-        <pc:sldMkLst>
-          <pc:docMk/>
-          <pc:sldMk cId="3768521968" sldId="269"/>
-        </pc:sldMkLst>
-        <pc:spChg chg="mod">
-          <ac:chgData name="Rodrigo De Pedro Lombao" userId="d9be6118aa640e54" providerId="Windows Live" clId="Web-{2FA4AC34-F592-4418-81B2-515CB91C5B19}" dt="2018-04-24T16:42:47.273" v="1804"/>
-          <ac:spMkLst>
-            <pc:docMk/>
-            <pc:sldMk cId="3768521968" sldId="269"/>
-            <ac:spMk id="3" creationId="{09032BB1-7C32-4432-A657-346A12360023}"/>
-          </ac:spMkLst>
-        </pc:spChg>
-      </pc:sldChg>
-      <pc:sldChg chg="modSp">
-        <pc:chgData name="Rodrigo De Pedro Lombao" userId="d9be6118aa640e54" providerId="Windows Live" clId="Web-{2FA4AC34-F592-4418-81B2-515CB91C5B19}" dt="2018-04-24T16:42:55.882" v="1805"/>
-        <pc:sldMkLst>
-          <pc:docMk/>
-          <pc:sldMk cId="465187963" sldId="270"/>
-        </pc:sldMkLst>
-        <pc:spChg chg="mod">
-          <ac:chgData name="Rodrigo De Pedro Lombao" userId="d9be6118aa640e54" providerId="Windows Live" clId="Web-{2FA4AC34-F592-4418-81B2-515CB91C5B19}" dt="2018-04-24T16:42:55.882" v="1805"/>
-          <ac:spMkLst>
-            <pc:docMk/>
-            <pc:sldMk cId="465187963" sldId="270"/>
-            <ac:spMk id="3" creationId="{193ABBCB-C046-4F57-9AD0-B34108269866}"/>
-          </ac:spMkLst>
-        </pc:spChg>
-      </pc:sldChg>
-      <pc:sldChg chg="modSp">
-        <pc:chgData name="Rodrigo De Pedro Lombao" userId="d9be6118aa640e54" providerId="Windows Live" clId="Web-{2FA4AC34-F592-4418-81B2-515CB91C5B19}" dt="2018-04-24T16:42:59.601" v="1806"/>
-        <pc:sldMkLst>
-          <pc:docMk/>
-          <pc:sldMk cId="1936381969" sldId="271"/>
-        </pc:sldMkLst>
-        <pc:spChg chg="mod">
-          <ac:chgData name="Rodrigo De Pedro Lombao" userId="d9be6118aa640e54" providerId="Windows Live" clId="Web-{2FA4AC34-F592-4418-81B2-515CB91C5B19}" dt="2018-04-24T16:42:59.601" v="1806"/>
-          <ac:spMkLst>
-            <pc:docMk/>
-            <pc:sldMk cId="1936381969" sldId="271"/>
-            <ac:spMk id="3" creationId="{D7EFF73C-76A3-4F9A-849F-ADCABC8F7251}"/>
-          </ac:spMkLst>
-        </pc:spChg>
-      </pc:sldChg>
-      <pc:sldChg chg="modSp">
-        <pc:chgData name="Rodrigo De Pedro Lombao" userId="d9be6118aa640e54" providerId="Windows Live" clId="Web-{2FA4AC34-F592-4418-81B2-515CB91C5B19}" dt="2018-04-24T16:43:05.929" v="1807"/>
-        <pc:sldMkLst>
-          <pc:docMk/>
-          <pc:sldMk cId="714381950" sldId="274"/>
-        </pc:sldMkLst>
-        <pc:spChg chg="mod">
-          <ac:chgData name="Rodrigo De Pedro Lombao" userId="d9be6118aa640e54" providerId="Windows Live" clId="Web-{2FA4AC34-F592-4418-81B2-515CB91C5B19}" dt="2018-04-24T16:43:05.929" v="1807"/>
-          <ac:spMkLst>
-            <pc:docMk/>
-            <pc:sldMk cId="714381950" sldId="274"/>
-            <ac:spMk id="3" creationId="{C7326D4D-D5E5-4B59-BF45-6AD6B259E131}"/>
-          </ac:spMkLst>
-        </pc:spChg>
-      </pc:sldChg>
-      <pc:sldChg chg="modSp">
-        <pc:chgData name="Rodrigo De Pedro Lombao" userId="d9be6118aa640e54" providerId="Windows Live" clId="Web-{2FA4AC34-F592-4418-81B2-515CB91C5B19}" dt="2018-04-24T15:50:06.998" v="0"/>
-        <pc:sldMkLst>
-          <pc:docMk/>
-          <pc:sldMk cId="2658821743" sldId="275"/>
-        </pc:sldMkLst>
-        <pc:spChg chg="mod">
-          <ac:chgData name="Rodrigo De Pedro Lombao" userId="d9be6118aa640e54" providerId="Windows Live" clId="Web-{2FA4AC34-F592-4418-81B2-515CB91C5B19}" dt="2018-04-24T15:50:06.998" v="0"/>
-          <ac:spMkLst>
-            <pc:docMk/>
-            <pc:sldMk cId="2658821743" sldId="275"/>
-            <ac:spMk id="3" creationId="{A5B98F25-734B-46E7-9031-F158E44D1820}"/>
-          </ac:spMkLst>
-        </pc:spChg>
-      </pc:sldChg>
-      <pc:sldChg chg="del ord">
-        <pc:chgData name="Rodrigo De Pedro Lombao" userId="d9be6118aa640e54" providerId="Windows Live" clId="Web-{2FA4AC34-F592-4418-81B2-515CB91C5B19}" dt="2018-04-24T16:21:34.176" v="1530"/>
-        <pc:sldMkLst>
-          <pc:docMk/>
-          <pc:sldMk cId="3900361432" sldId="276"/>
-        </pc:sldMkLst>
-      </pc:sldChg>
-      <pc:sldChg chg="del ord">
-        <pc:chgData name="Rodrigo De Pedro Lombao" userId="d9be6118aa640e54" providerId="Windows Live" clId="Web-{2FA4AC34-F592-4418-81B2-515CB91C5B19}" dt="2018-04-24T16:21:34.176" v="1529"/>
-        <pc:sldMkLst>
-          <pc:docMk/>
-          <pc:sldMk cId="1340754361" sldId="277"/>
-        </pc:sldMkLst>
-      </pc:sldChg>
-      <pc:sldChg chg="modSp">
-        <pc:chgData name="Rodrigo De Pedro Lombao" userId="d9be6118aa640e54" providerId="Windows Live" clId="Web-{2FA4AC34-F592-4418-81B2-515CB91C5B19}" dt="2018-04-24T16:38:49.382" v="1750"/>
-        <pc:sldMkLst>
-          <pc:docMk/>
-          <pc:sldMk cId="2105713907" sldId="278"/>
-        </pc:sldMkLst>
-        <pc:spChg chg="mod">
-          <ac:chgData name="Rodrigo De Pedro Lombao" userId="d9be6118aa640e54" providerId="Windows Live" clId="Web-{2FA4AC34-F592-4418-81B2-515CB91C5B19}" dt="2018-04-24T15:53:16.404" v="78"/>
-          <ac:spMkLst>
-            <pc:docMk/>
-            <pc:sldMk cId="2105713907" sldId="278"/>
-            <ac:spMk id="2" creationId="{563769D7-1771-4099-8ADB-A447166BBAEF}"/>
-          </ac:spMkLst>
-        </pc:spChg>
-        <pc:spChg chg="mod">
-          <ac:chgData name="Rodrigo De Pedro Lombao" userId="d9be6118aa640e54" providerId="Windows Live" clId="Web-{2FA4AC34-F592-4418-81B2-515CB91C5B19}" dt="2018-04-24T16:38:49.382" v="1750"/>
-          <ac:spMkLst>
-            <pc:docMk/>
-            <pc:sldMk cId="2105713907" sldId="278"/>
-            <ac:spMk id="3" creationId="{19A4AE19-BD27-47EE-A138-657A575EB1FC}"/>
-          </ac:spMkLst>
-        </pc:spChg>
-      </pc:sldChg>
-      <pc:sldChg chg="modSp">
-        <pc:chgData name="Rodrigo De Pedro Lombao" userId="d9be6118aa640e54" providerId="Windows Live" clId="Web-{2FA4AC34-F592-4418-81B2-515CB91C5B19}" dt="2018-04-24T16:21:10.254" v="1526"/>
-        <pc:sldMkLst>
-          <pc:docMk/>
-          <pc:sldMk cId="2170839789" sldId="279"/>
-        </pc:sldMkLst>
-        <pc:spChg chg="mod">
-          <ac:chgData name="Rodrigo De Pedro Lombao" userId="d9be6118aa640e54" providerId="Windows Live" clId="Web-{2FA4AC34-F592-4418-81B2-515CB91C5B19}" dt="2018-04-24T16:14:46.776" v="1186"/>
-          <ac:spMkLst>
-            <pc:docMk/>
-            <pc:sldMk cId="2170839789" sldId="279"/>
-            <ac:spMk id="2" creationId="{C97A6A68-7C3E-4415-8DD4-DAA199A1CE75}"/>
-          </ac:spMkLst>
-        </pc:spChg>
-        <pc:spChg chg="mod">
-          <ac:chgData name="Rodrigo De Pedro Lombao" userId="d9be6118aa640e54" providerId="Windows Live" clId="Web-{2FA4AC34-F592-4418-81B2-515CB91C5B19}" dt="2018-04-24T16:21:10.254" v="1526"/>
-          <ac:spMkLst>
-            <pc:docMk/>
-            <pc:sldMk cId="2170839789" sldId="279"/>
-            <ac:spMk id="3" creationId="{D34E70C1-8B66-478A-8209-434A66AF17FB}"/>
-          </ac:spMkLst>
-        </pc:spChg>
-      </pc:sldChg>
-      <pc:sldChg chg="modSp new">
-        <pc:chgData name="Rodrigo De Pedro Lombao" userId="d9be6118aa640e54" providerId="Windows Live" clId="Web-{2FA4AC34-F592-4418-81B2-515CB91C5B19}" dt="2018-04-24T15:56:23.218" v="322"/>
-        <pc:sldMkLst>
-          <pc:docMk/>
-          <pc:sldMk cId="820061374" sldId="280"/>
-        </pc:sldMkLst>
-        <pc:spChg chg="mod">
-          <ac:chgData name="Rodrigo De Pedro Lombao" userId="d9be6118aa640e54" providerId="Windows Live" clId="Web-{2FA4AC34-F592-4418-81B2-515CB91C5B19}" dt="2018-04-24T15:53:25.201" v="83"/>
-          <ac:spMkLst>
-            <pc:docMk/>
-            <pc:sldMk cId="820061374" sldId="280"/>
-            <ac:spMk id="2" creationId="{846A91CB-44A2-4126-8A2C-F66555F11BFE}"/>
-          </ac:spMkLst>
-        </pc:spChg>
-        <pc:spChg chg="mod">
-          <ac:chgData name="Rodrigo De Pedro Lombao" userId="d9be6118aa640e54" providerId="Windows Live" clId="Web-{2FA4AC34-F592-4418-81B2-515CB91C5B19}" dt="2018-04-24T15:56:23.218" v="322"/>
-          <ac:spMkLst>
-            <pc:docMk/>
-            <pc:sldMk cId="820061374" sldId="280"/>
-            <ac:spMk id="3" creationId="{7A98167E-E6B7-464C-B6FC-C9732CD711FB}"/>
-          </ac:spMkLst>
-        </pc:spChg>
-      </pc:sldChg>
-      <pc:sldChg chg="modSp new">
-        <pc:chgData name="Rodrigo De Pedro Lombao" userId="d9be6118aa640e54" providerId="Windows Live" clId="Web-{2FA4AC34-F592-4418-81B2-515CB91C5B19}" dt="2018-04-24T16:40:10.961" v="1756"/>
-        <pc:sldMkLst>
-          <pc:docMk/>
-          <pc:sldMk cId="1685337294" sldId="281"/>
-        </pc:sldMkLst>
-        <pc:spChg chg="mod">
-          <ac:chgData name="Rodrigo De Pedro Lombao" userId="d9be6118aa640e54" providerId="Windows Live" clId="Web-{2FA4AC34-F592-4418-81B2-515CB91C5B19}" dt="2018-04-24T15:56:31.135" v="326"/>
-          <ac:spMkLst>
-            <pc:docMk/>
-            <pc:sldMk cId="1685337294" sldId="281"/>
-            <ac:spMk id="2" creationId="{F69601CD-93C2-416C-B37F-3B68C8D482CE}"/>
-          </ac:spMkLst>
-        </pc:spChg>
-        <pc:spChg chg="mod">
-          <ac:chgData name="Rodrigo De Pedro Lombao" userId="d9be6118aa640e54" providerId="Windows Live" clId="Web-{2FA4AC34-F592-4418-81B2-515CB91C5B19}" dt="2018-04-24T16:40:10.961" v="1756"/>
-          <ac:spMkLst>
-            <pc:docMk/>
-            <pc:sldMk cId="1685337294" sldId="281"/>
-            <ac:spMk id="3" creationId="{12EA94CB-7C85-46A2-9FBB-6A96CBBCC4AE}"/>
-          </ac:spMkLst>
-        </pc:spChg>
-      </pc:sldChg>
-      <pc:sldChg chg="modSp new">
-        <pc:chgData name="Rodrigo De Pedro Lombao" userId="d9be6118aa640e54" providerId="Windows Live" clId="Web-{2FA4AC34-F592-4418-81B2-515CB91C5B19}" dt="2018-04-24T16:39:53.367" v="1754"/>
-        <pc:sldMkLst>
-          <pc:docMk/>
-          <pc:sldMk cId="3419931463" sldId="282"/>
-        </pc:sldMkLst>
-        <pc:spChg chg="mod">
-          <ac:chgData name="Rodrigo De Pedro Lombao" userId="d9be6118aa640e54" providerId="Windows Live" clId="Web-{2FA4AC34-F592-4418-81B2-515CB91C5B19}" dt="2018-04-24T15:59:21.160" v="507"/>
-          <ac:spMkLst>
-            <pc:docMk/>
-            <pc:sldMk cId="3419931463" sldId="282"/>
-            <ac:spMk id="2" creationId="{5A8B8A76-65B1-4196-BE1A-27CEA88979D3}"/>
-          </ac:spMkLst>
-        </pc:spChg>
-        <pc:spChg chg="mod">
-          <ac:chgData name="Rodrigo De Pedro Lombao" userId="d9be6118aa640e54" providerId="Windows Live" clId="Web-{2FA4AC34-F592-4418-81B2-515CB91C5B19}" dt="2018-04-24T16:39:53.367" v="1754"/>
-          <ac:spMkLst>
-            <pc:docMk/>
-            <pc:sldMk cId="3419931463" sldId="282"/>
-            <ac:spMk id="3" creationId="{F8B38DD4-5AAD-40D4-9BBD-8A96EF94C55C}"/>
-          </ac:spMkLst>
-        </pc:spChg>
-      </pc:sldChg>
-      <pc:sldChg chg="modSp new">
-        <pc:chgData name="Rodrigo De Pedro Lombao" userId="d9be6118aa640e54" providerId="Windows Live" clId="Web-{2FA4AC34-F592-4418-81B2-515CB91C5B19}" dt="2018-04-24T16:40:43.945" v="1757"/>
-        <pc:sldMkLst>
-          <pc:docMk/>
-          <pc:sldMk cId="652615067" sldId="283"/>
-        </pc:sldMkLst>
-        <pc:spChg chg="mod">
-          <ac:chgData name="Rodrigo De Pedro Lombao" userId="d9be6118aa640e54" providerId="Windows Live" clId="Web-{2FA4AC34-F592-4418-81B2-515CB91C5B19}" dt="2018-04-24T16:02:27.092" v="802"/>
-          <ac:spMkLst>
-            <pc:docMk/>
-            <pc:sldMk cId="652615067" sldId="283"/>
-            <ac:spMk id="2" creationId="{9DF0A131-A304-43C3-903F-277BFBA2FB68}"/>
-          </ac:spMkLst>
-        </pc:spChg>
-        <pc:spChg chg="mod">
-          <ac:chgData name="Rodrigo De Pedro Lombao" userId="d9be6118aa640e54" providerId="Windows Live" clId="Web-{2FA4AC34-F592-4418-81B2-515CB91C5B19}" dt="2018-04-24T16:40:43.945" v="1757"/>
-          <ac:spMkLst>
-            <pc:docMk/>
-            <pc:sldMk cId="652615067" sldId="283"/>
-            <ac:spMk id="3" creationId="{B0266397-D900-412C-B302-78F579DA4300}"/>
-          </ac:spMkLst>
-        </pc:spChg>
-      </pc:sldChg>
-    </pc:docChg>
-  </pc:docChgLst>
-  <pc:docChgLst>
-    <pc:chgData name="Rodrigo De Pedro Lombao" userId="d9be6118aa640e54" providerId="Windows Live" clId="Web-{700CA33E-6A4B-4B59-9EDF-A4F274AF793C}"/>
-    <pc:docChg chg="modSld">
-      <pc:chgData name="Rodrigo De Pedro Lombao" userId="d9be6118aa640e54" providerId="Windows Live" clId="Web-{700CA33E-6A4B-4B59-9EDF-A4F274AF793C}" dt="2018-04-23T22:50:36.762" v="259"/>
-      <pc:docMkLst>
-        <pc:docMk/>
-      </pc:docMkLst>
-      <pc:sldChg chg="modSp">
-        <pc:chgData name="Rodrigo De Pedro Lombao" userId="d9be6118aa640e54" providerId="Windows Live" clId="Web-{700CA33E-6A4B-4B59-9EDF-A4F274AF793C}" dt="2018-04-23T22:49:50.854" v="255"/>
-        <pc:sldMkLst>
-          <pc:docMk/>
-          <pc:sldMk cId="2029002549" sldId="256"/>
-        </pc:sldMkLst>
-        <pc:spChg chg="mod">
-          <ac:chgData name="Rodrigo De Pedro Lombao" userId="d9be6118aa640e54" providerId="Windows Live" clId="Web-{700CA33E-6A4B-4B59-9EDF-A4F274AF793C}" dt="2018-04-23T22:49:50.854" v="255"/>
-          <ac:spMkLst>
-            <pc:docMk/>
-            <pc:sldMk cId="2029002549" sldId="256"/>
-            <ac:spMk id="3" creationId="{00000000-0000-0000-0000-000000000000}"/>
-          </ac:spMkLst>
-        </pc:spChg>
-      </pc:sldChg>
-      <pc:sldChg chg="modSp">
-        <pc:chgData name="Rodrigo De Pedro Lombao" userId="d9be6118aa640e54" providerId="Windows Live" clId="Web-{700CA33E-6A4B-4B59-9EDF-A4F274AF793C}" dt="2018-04-23T22:49:41.932" v="252"/>
-        <pc:sldMkLst>
-          <pc:docMk/>
-          <pc:sldMk cId="2296568263" sldId="257"/>
-        </pc:sldMkLst>
-        <pc:spChg chg="mod">
-          <ac:chgData name="Rodrigo De Pedro Lombao" userId="d9be6118aa640e54" providerId="Windows Live" clId="Web-{700CA33E-6A4B-4B59-9EDF-A4F274AF793C}" dt="2018-04-23T22:49:41.932" v="252"/>
-          <ac:spMkLst>
-            <pc:docMk/>
-            <pc:sldMk cId="2296568263" sldId="257"/>
-            <ac:spMk id="3" creationId="{C5F1936A-0079-4C3A-AF64-00A70C6201C4}"/>
-          </ac:spMkLst>
-        </pc:spChg>
-        <pc:picChg chg="mod modCrop">
-          <ac:chgData name="Rodrigo De Pedro Lombao" userId="d9be6118aa640e54" providerId="Windows Live" clId="Web-{700CA33E-6A4B-4B59-9EDF-A4F274AF793C}" dt="2018-04-23T22:32:30.454" v="19"/>
-          <ac:picMkLst>
-            <pc:docMk/>
-            <pc:sldMk cId="2296568263" sldId="257"/>
-            <ac:picMk id="4" creationId="{A73D0747-2B48-4C88-B056-DA6E515E0C91}"/>
-          </ac:picMkLst>
-        </pc:picChg>
-      </pc:sldChg>
-      <pc:sldChg chg="addAnim modAnim">
-        <pc:chgData name="Rodrigo De Pedro Lombao" userId="d9be6118aa640e54" providerId="Windows Live" clId="Web-{700CA33E-6A4B-4B59-9EDF-A4F274AF793C}" dt="2018-04-23T22:50:36.762" v="259"/>
-        <pc:sldMkLst>
-          <pc:docMk/>
-          <pc:sldMk cId="3425111425" sldId="258"/>
-        </pc:sldMkLst>
-      </pc:sldChg>
-      <pc:sldChg chg="modSp">
-        <pc:chgData name="Rodrigo De Pedro Lombao" userId="d9be6118aa640e54" providerId="Windows Live" clId="Web-{700CA33E-6A4B-4B59-9EDF-A4F274AF793C}" dt="2018-04-23T22:49:01.977" v="250"/>
-        <pc:sldMkLst>
-          <pc:docMk/>
-          <pc:sldMk cId="400391142" sldId="259"/>
-        </pc:sldMkLst>
-        <pc:spChg chg="mod">
-          <ac:chgData name="Rodrigo De Pedro Lombao" userId="d9be6118aa640e54" providerId="Windows Live" clId="Web-{700CA33E-6A4B-4B59-9EDF-A4F274AF793C}" dt="2018-04-23T22:33:12.909" v="21"/>
-          <ac:spMkLst>
-            <pc:docMk/>
-            <pc:sldMk cId="400391142" sldId="259"/>
-            <ac:spMk id="2" creationId="{6A34F6E1-EE56-46F4-BA33-A999DD83768A}"/>
-          </ac:spMkLst>
-        </pc:spChg>
-        <pc:spChg chg="mod">
-          <ac:chgData name="Rodrigo De Pedro Lombao" userId="d9be6118aa640e54" providerId="Windows Live" clId="Web-{700CA33E-6A4B-4B59-9EDF-A4F274AF793C}" dt="2018-04-23T22:49:01.977" v="250"/>
-          <ac:spMkLst>
-            <pc:docMk/>
-            <pc:sldMk cId="400391142" sldId="259"/>
-            <ac:spMk id="3" creationId="{CDD877D3-489F-4072-A165-2347AB8B58EC}"/>
-          </ac:spMkLst>
-        </pc:spChg>
-      </pc:sldChg>
-      <pc:sldChg chg="modSp">
-        <pc:chgData name="Rodrigo De Pedro Lombao" userId="d9be6118aa640e54" providerId="Windows Live" clId="Web-{700CA33E-6A4B-4B59-9EDF-A4F274AF793C}" dt="2018-04-23T22:45:19.453" v="220"/>
-        <pc:sldMkLst>
-          <pc:docMk/>
-          <pc:sldMk cId="3294029884" sldId="260"/>
-        </pc:sldMkLst>
-        <pc:spChg chg="mod">
-          <ac:chgData name="Rodrigo De Pedro Lombao" userId="d9be6118aa640e54" providerId="Windows Live" clId="Web-{700CA33E-6A4B-4B59-9EDF-A4F274AF793C}" dt="2018-04-23T22:45:19.453" v="220"/>
-          <ac:spMkLst>
-            <pc:docMk/>
-            <pc:sldMk cId="3294029884" sldId="260"/>
-            <ac:spMk id="3" creationId="{2D9C8BA6-FF17-4CF6-B963-B196CA392BEC}"/>
-          </ac:spMkLst>
-        </pc:spChg>
-      </pc:sldChg>
-      <pc:sldChg chg="modSp">
-        <pc:chgData name="Rodrigo De Pedro Lombao" userId="d9be6118aa640e54" providerId="Windows Live" clId="Web-{700CA33E-6A4B-4B59-9EDF-A4F274AF793C}" dt="2018-04-23T22:48:29.741" v="248"/>
-        <pc:sldMkLst>
-          <pc:docMk/>
-          <pc:sldMk cId="2715717901" sldId="262"/>
-        </pc:sldMkLst>
-        <pc:spChg chg="mod">
-          <ac:chgData name="Rodrigo De Pedro Lombao" userId="d9be6118aa640e54" providerId="Windows Live" clId="Web-{700CA33E-6A4B-4B59-9EDF-A4F274AF793C}" dt="2018-04-23T22:48:29.741" v="248"/>
-          <ac:spMkLst>
-            <pc:docMk/>
-            <pc:sldMk cId="2715717901" sldId="262"/>
-            <ac:spMk id="3" creationId="{84DCD1A7-55F9-4129-A956-1B0CBF50FDC3}"/>
-          </ac:spMkLst>
-        </pc:spChg>
-      </pc:sldChg>
-      <pc:sldChg chg="modSp">
-        <pc:chgData name="Rodrigo De Pedro Lombao" userId="d9be6118aa640e54" providerId="Windows Live" clId="Web-{700CA33E-6A4B-4B59-9EDF-A4F274AF793C}" dt="2018-04-23T22:48:18.038" v="246"/>
-        <pc:sldMkLst>
-          <pc:docMk/>
-          <pc:sldMk cId="2827705627" sldId="263"/>
-        </pc:sldMkLst>
-        <pc:spChg chg="mod">
-          <ac:chgData name="Rodrigo De Pedro Lombao" userId="d9be6118aa640e54" providerId="Windows Live" clId="Web-{700CA33E-6A4B-4B59-9EDF-A4F274AF793C}" dt="2018-04-23T22:48:18.038" v="246"/>
-          <ac:spMkLst>
-            <pc:docMk/>
-            <pc:sldMk cId="2827705627" sldId="263"/>
-            <ac:spMk id="3" creationId="{931B2194-5167-48DC-AB25-5AD0754BF4E9}"/>
-          </ac:spMkLst>
-        </pc:spChg>
-      </pc:sldChg>
-      <pc:sldChg chg="modSp">
-        <pc:chgData name="Rodrigo De Pedro Lombao" userId="d9be6118aa640e54" providerId="Windows Live" clId="Web-{700CA33E-6A4B-4B59-9EDF-A4F274AF793C}" dt="2018-04-23T22:48:53.617" v="249"/>
-        <pc:sldMkLst>
-          <pc:docMk/>
-          <pc:sldMk cId="2835357801" sldId="266"/>
-        </pc:sldMkLst>
-        <pc:spChg chg="mod">
-          <ac:chgData name="Rodrigo De Pedro Lombao" userId="d9be6118aa640e54" providerId="Windows Live" clId="Web-{700CA33E-6A4B-4B59-9EDF-A4F274AF793C}" dt="2018-04-23T22:33:53.317" v="34"/>
-          <ac:spMkLst>
-            <pc:docMk/>
-            <pc:sldMk cId="2835357801" sldId="266"/>
-            <ac:spMk id="2" creationId="{9BAFE858-72C0-4E7F-B84A-9DE613B495BA}"/>
-          </ac:spMkLst>
-        </pc:spChg>
-        <pc:spChg chg="mod">
-          <ac:chgData name="Rodrigo De Pedro Lombao" userId="d9be6118aa640e54" providerId="Windows Live" clId="Web-{700CA33E-6A4B-4B59-9EDF-A4F274AF793C}" dt="2018-04-23T22:48:53.617" v="249"/>
-          <ac:spMkLst>
-            <pc:docMk/>
-            <pc:sldMk cId="2835357801" sldId="266"/>
-            <ac:spMk id="3" creationId="{73DE7649-426B-4723-99E7-F2BF42B546F4}"/>
-          </ac:spMkLst>
-        </pc:spChg>
-      </pc:sldChg>
-      <pc:sldChg chg="modSp">
-        <pc:chgData name="Rodrigo De Pedro Lombao" userId="d9be6118aa640e54" providerId="Windows Live" clId="Web-{700CA33E-6A4B-4B59-9EDF-A4F274AF793C}" dt="2018-04-23T22:48:12.897" v="245"/>
-        <pc:sldMkLst>
-          <pc:docMk/>
-          <pc:sldMk cId="3154945760" sldId="267"/>
-        </pc:sldMkLst>
-        <pc:spChg chg="mod">
-          <ac:chgData name="Rodrigo De Pedro Lombao" userId="d9be6118aa640e54" providerId="Windows Live" clId="Web-{700CA33E-6A4B-4B59-9EDF-A4F274AF793C}" dt="2018-04-23T22:48:12.897" v="245"/>
-          <ac:spMkLst>
-            <pc:docMk/>
-            <pc:sldMk cId="3154945760" sldId="267"/>
-            <ac:spMk id="3" creationId="{C7DCC549-0768-4143-9A7B-BD871B4BF64B}"/>
-          </ac:spMkLst>
-        </pc:spChg>
-      </pc:sldChg>
-      <pc:sldChg chg="modSp">
-        <pc:chgData name="Rodrigo De Pedro Lombao" userId="d9be6118aa640e54" providerId="Windows Live" clId="Web-{700CA33E-6A4B-4B59-9EDF-A4F274AF793C}" dt="2018-04-23T22:48:05.537" v="244"/>
-        <pc:sldMkLst>
-          <pc:docMk/>
-          <pc:sldMk cId="4266360956" sldId="268"/>
-        </pc:sldMkLst>
-        <pc:spChg chg="mod">
-          <ac:chgData name="Rodrigo De Pedro Lombao" userId="d9be6118aa640e54" providerId="Windows Live" clId="Web-{700CA33E-6A4B-4B59-9EDF-A4F274AF793C}" dt="2018-04-23T22:48:05.537" v="244"/>
-          <ac:spMkLst>
-            <pc:docMk/>
-            <pc:sldMk cId="4266360956" sldId="268"/>
-            <ac:spMk id="3" creationId="{288EA943-502C-4B26-B33F-7D15002CE7EE}"/>
-          </ac:spMkLst>
-        </pc:spChg>
-      </pc:sldChg>
-      <pc:sldChg chg="modSp">
-        <pc:chgData name="Rodrigo De Pedro Lombao" userId="d9be6118aa640e54" providerId="Windows Live" clId="Web-{700CA33E-6A4B-4B59-9EDF-A4F274AF793C}" dt="2018-04-23T22:47:58.990" v="243"/>
-        <pc:sldMkLst>
-          <pc:docMk/>
-          <pc:sldMk cId="3768521968" sldId="269"/>
-        </pc:sldMkLst>
-        <pc:spChg chg="mod">
-          <ac:chgData name="Rodrigo De Pedro Lombao" userId="d9be6118aa640e54" providerId="Windows Live" clId="Web-{700CA33E-6A4B-4B59-9EDF-A4F274AF793C}" dt="2018-04-23T22:47:58.990" v="243"/>
-          <ac:spMkLst>
-            <pc:docMk/>
-            <pc:sldMk cId="3768521968" sldId="269"/>
-            <ac:spMk id="3" creationId="{09032BB1-7C32-4432-A657-346A12360023}"/>
-          </ac:spMkLst>
-        </pc:spChg>
-      </pc:sldChg>
-      <pc:sldChg chg="modSp">
-        <pc:chgData name="Rodrigo De Pedro Lombao" userId="d9be6118aa640e54" providerId="Windows Live" clId="Web-{700CA33E-6A4B-4B59-9EDF-A4F274AF793C}" dt="2018-04-23T22:47:48.177" v="242"/>
-        <pc:sldMkLst>
-          <pc:docMk/>
-          <pc:sldMk cId="465187963" sldId="270"/>
-        </pc:sldMkLst>
-        <pc:spChg chg="mod">
-          <ac:chgData name="Rodrigo De Pedro Lombao" userId="d9be6118aa640e54" providerId="Windows Live" clId="Web-{700CA33E-6A4B-4B59-9EDF-A4F274AF793C}" dt="2018-04-23T22:47:48.177" v="242"/>
-          <ac:spMkLst>
-            <pc:docMk/>
-            <pc:sldMk cId="465187963" sldId="270"/>
-            <ac:spMk id="3" creationId="{193ABBCB-C046-4F57-9AD0-B34108269866}"/>
-          </ac:spMkLst>
-        </pc:spChg>
-      </pc:sldChg>
-      <pc:sldChg chg="modSp">
-        <pc:chgData name="Rodrigo De Pedro Lombao" userId="d9be6118aa640e54" providerId="Windows Live" clId="Web-{700CA33E-6A4B-4B59-9EDF-A4F274AF793C}" dt="2018-04-23T22:47:39.864" v="239"/>
-        <pc:sldMkLst>
-          <pc:docMk/>
-          <pc:sldMk cId="1936381969" sldId="271"/>
-        </pc:sldMkLst>
-        <pc:spChg chg="mod">
-          <ac:chgData name="Rodrigo De Pedro Lombao" userId="d9be6118aa640e54" providerId="Windows Live" clId="Web-{700CA33E-6A4B-4B59-9EDF-A4F274AF793C}" dt="2018-04-23T22:47:39.864" v="239"/>
-          <ac:spMkLst>
-            <pc:docMk/>
-            <pc:sldMk cId="1936381969" sldId="271"/>
-            <ac:spMk id="3" creationId="{D7EFF73C-76A3-4F9A-849F-ADCABC8F7251}"/>
-          </ac:spMkLst>
-        </pc:spChg>
-      </pc:sldChg>
-      <pc:sldChg chg="modSp">
-        <pc:chgData name="Rodrigo De Pedro Lombao" userId="d9be6118aa640e54" providerId="Windows Live" clId="Web-{700CA33E-6A4B-4B59-9EDF-A4F274AF793C}" dt="2018-04-23T22:47:02.238" v="235"/>
-        <pc:sldMkLst>
-          <pc:docMk/>
-          <pc:sldMk cId="1729313021" sldId="272"/>
-        </pc:sldMkLst>
-        <pc:spChg chg="mod">
-          <ac:chgData name="Rodrigo De Pedro Lombao" userId="d9be6118aa640e54" providerId="Windows Live" clId="Web-{700CA33E-6A4B-4B59-9EDF-A4F274AF793C}" dt="2018-04-23T22:47:02.238" v="235"/>
-          <ac:spMkLst>
-            <pc:docMk/>
-            <pc:sldMk cId="1729313021" sldId="272"/>
-            <ac:spMk id="3" creationId="{490B4834-3EC4-4A60-AEB5-243DA0CDDF90}"/>
-          </ac:spMkLst>
-        </pc:spChg>
-      </pc:sldChg>
-      <pc:sldChg chg="modSp">
-        <pc:chgData name="Rodrigo De Pedro Lombao" userId="d9be6118aa640e54" providerId="Windows Live" clId="Web-{700CA33E-6A4B-4B59-9EDF-A4F274AF793C}" dt="2018-04-23T22:46:50.378" v="234"/>
-        <pc:sldMkLst>
-          <pc:docMk/>
-          <pc:sldMk cId="2341777097" sldId="273"/>
-        </pc:sldMkLst>
-        <pc:spChg chg="mod">
-          <ac:chgData name="Rodrigo De Pedro Lombao" userId="d9be6118aa640e54" providerId="Windows Live" clId="Web-{700CA33E-6A4B-4B59-9EDF-A4F274AF793C}" dt="2018-04-23T22:46:50.378" v="234"/>
-          <ac:spMkLst>
-            <pc:docMk/>
-            <pc:sldMk cId="2341777097" sldId="273"/>
-            <ac:spMk id="3" creationId="{36C57DC3-CCC9-4E93-BAD4-0260899C6186}"/>
-          </ac:spMkLst>
-        </pc:spChg>
-      </pc:sldChg>
-      <pc:sldChg chg="modSp">
-        <pc:chgData name="Rodrigo De Pedro Lombao" userId="d9be6118aa640e54" providerId="Windows Live" clId="Web-{700CA33E-6A4B-4B59-9EDF-A4F274AF793C}" dt="2018-04-23T22:46:44.472" v="233"/>
-        <pc:sldMkLst>
-          <pc:docMk/>
-          <pc:sldMk cId="714381950" sldId="274"/>
-        </pc:sldMkLst>
-        <pc:spChg chg="mod">
-          <ac:chgData name="Rodrigo De Pedro Lombao" userId="d9be6118aa640e54" providerId="Windows Live" clId="Web-{700CA33E-6A4B-4B59-9EDF-A4F274AF793C}" dt="2018-04-23T22:46:44.472" v="233"/>
-          <ac:spMkLst>
-            <pc:docMk/>
-            <pc:sldMk cId="714381950" sldId="274"/>
-            <ac:spMk id="3" creationId="{C7326D4D-D5E5-4B59-BF45-6AD6B259E131}"/>
-          </ac:spMkLst>
-        </pc:spChg>
-      </pc:sldChg>
-      <pc:sldChg chg="modSp">
-        <pc:chgData name="Rodrigo De Pedro Lombao" userId="d9be6118aa640e54" providerId="Windows Live" clId="Web-{700CA33E-6A4B-4B59-9EDF-A4F274AF793C}" dt="2018-04-23T22:46:38.299" v="232"/>
-        <pc:sldMkLst>
-          <pc:docMk/>
-          <pc:sldMk cId="2658821743" sldId="275"/>
-        </pc:sldMkLst>
-        <pc:spChg chg="mod">
-          <ac:chgData name="Rodrigo De Pedro Lombao" userId="d9be6118aa640e54" providerId="Windows Live" clId="Web-{700CA33E-6A4B-4B59-9EDF-A4F274AF793C}" dt="2018-04-23T22:46:38.299" v="232"/>
-          <ac:spMkLst>
-            <pc:docMk/>
-            <pc:sldMk cId="2658821743" sldId="275"/>
-            <ac:spMk id="3" creationId="{A5B98F25-734B-46E7-9031-F158E44D1820}"/>
-          </ac:spMkLst>
-        </pc:spChg>
-      </pc:sldChg>
-      <pc:sldChg chg="modSp">
-        <pc:chgData name="Rodrigo De Pedro Lombao" userId="d9be6118aa640e54" providerId="Windows Live" clId="Web-{700CA33E-6A4B-4B59-9EDF-A4F274AF793C}" dt="2018-04-23T22:46:29.440" v="231"/>
-        <pc:sldMkLst>
-          <pc:docMk/>
-          <pc:sldMk cId="3900361432" sldId="276"/>
-        </pc:sldMkLst>
-        <pc:spChg chg="mod">
-          <ac:chgData name="Rodrigo De Pedro Lombao" userId="d9be6118aa640e54" providerId="Windows Live" clId="Web-{700CA33E-6A4B-4B59-9EDF-A4F274AF793C}" dt="2018-04-23T22:37:32.403" v="127"/>
-          <ac:spMkLst>
-            <pc:docMk/>
-            <pc:sldMk cId="3900361432" sldId="276"/>
-            <ac:spMk id="2" creationId="{563769D7-1771-4099-8ADB-A447166BBAEF}"/>
-          </ac:spMkLst>
-        </pc:spChg>
-        <pc:spChg chg="mod">
-          <ac:chgData name="Rodrigo De Pedro Lombao" userId="d9be6118aa640e54" providerId="Windows Live" clId="Web-{700CA33E-6A4B-4B59-9EDF-A4F274AF793C}" dt="2018-04-23T22:46:29.440" v="231"/>
-          <ac:spMkLst>
-            <pc:docMk/>
-            <pc:sldMk cId="3900361432" sldId="276"/>
-            <ac:spMk id="3" creationId="{19A4AE19-BD27-47EE-A138-657A575EB1FC}"/>
-          </ac:spMkLst>
-        </pc:spChg>
-      </pc:sldChg>
-      <pc:sldChg chg="modSp">
-        <pc:chgData name="Rodrigo De Pedro Lombao" userId="d9be6118aa640e54" providerId="Windows Live" clId="Web-{700CA33E-6A4B-4B59-9EDF-A4F274AF793C}" dt="2018-04-23T22:46:15.814" v="227"/>
-        <pc:sldMkLst>
-          <pc:docMk/>
-          <pc:sldMk cId="1340754361" sldId="277"/>
-        </pc:sldMkLst>
-        <pc:spChg chg="mod">
-          <ac:chgData name="Rodrigo De Pedro Lombao" userId="d9be6118aa640e54" providerId="Windows Live" clId="Web-{700CA33E-6A4B-4B59-9EDF-A4F274AF793C}" dt="2018-04-23T22:37:38.482" v="128"/>
-          <ac:spMkLst>
-            <pc:docMk/>
-            <pc:sldMk cId="1340754361" sldId="277"/>
-            <ac:spMk id="2" creationId="{563769D7-1771-4099-8ADB-A447166BBAEF}"/>
-          </ac:spMkLst>
-        </pc:spChg>
-        <pc:spChg chg="mod">
-          <ac:chgData name="Rodrigo De Pedro Lombao" userId="d9be6118aa640e54" providerId="Windows Live" clId="Web-{700CA33E-6A4B-4B59-9EDF-A4F274AF793C}" dt="2018-04-23T22:46:15.814" v="227"/>
-          <ac:spMkLst>
-            <pc:docMk/>
-            <pc:sldMk cId="1340754361" sldId="277"/>
-            <ac:spMk id="3" creationId="{19A4AE19-BD27-47EE-A138-657A575EB1FC}"/>
-          </ac:spMkLst>
-        </pc:spChg>
-      </pc:sldChg>
-      <pc:sldChg chg="modSp">
-        <pc:chgData name="Rodrigo De Pedro Lombao" userId="d9be6118aa640e54" providerId="Windows Live" clId="Web-{700CA33E-6A4B-4B59-9EDF-A4F274AF793C}" dt="2018-04-23T22:45:39.094" v="223"/>
-        <pc:sldMkLst>
-          <pc:docMk/>
-          <pc:sldMk cId="2105713907" sldId="278"/>
-        </pc:sldMkLst>
-        <pc:spChg chg="mod">
-          <ac:chgData name="Rodrigo De Pedro Lombao" userId="d9be6118aa640e54" providerId="Windows Live" clId="Web-{700CA33E-6A4B-4B59-9EDF-A4F274AF793C}" dt="2018-04-23T22:37:44.123" v="130"/>
-          <ac:spMkLst>
-            <pc:docMk/>
-            <pc:sldMk cId="2105713907" sldId="278"/>
-            <ac:spMk id="2" creationId="{563769D7-1771-4099-8ADB-A447166BBAEF}"/>
-          </ac:spMkLst>
-        </pc:spChg>
-        <pc:spChg chg="mod">
-          <ac:chgData name="Rodrigo De Pedro Lombao" userId="d9be6118aa640e54" providerId="Windows Live" clId="Web-{700CA33E-6A4B-4B59-9EDF-A4F274AF793C}" dt="2018-04-23T22:45:39.094" v="223"/>
-          <ac:spMkLst>
-            <pc:docMk/>
-            <pc:sldMk cId="2105713907" sldId="278"/>
-            <ac:spMk id="3" creationId="{19A4AE19-BD27-47EE-A138-657A575EB1FC}"/>
-          </ac:spMkLst>
-        </pc:spChg>
-      </pc:sldChg>
-      <pc:sldChg chg="modSp">
-        <pc:chgData name="Rodrigo De Pedro Lombao" userId="d9be6118aa640e54" providerId="Windows Live" clId="Web-{700CA33E-6A4B-4B59-9EDF-A4F274AF793C}" dt="2018-04-23T22:44:46.389" v="216"/>
-        <pc:sldMkLst>
-          <pc:docMk/>
-          <pc:sldMk cId="2170839789" sldId="279"/>
-        </pc:sldMkLst>
-        <pc:spChg chg="mod">
-          <ac:chgData name="Rodrigo De Pedro Lombao" userId="d9be6118aa640e54" providerId="Windows Live" clId="Web-{700CA33E-6A4B-4B59-9EDF-A4F274AF793C}" dt="2018-04-23T22:44:46.389" v="216"/>
-          <ac:spMkLst>
-            <pc:docMk/>
-            <pc:sldMk cId="2170839789" sldId="279"/>
-            <ac:spMk id="3" creationId="{D34E70C1-8B66-478A-8209-434A66AF17FB}"/>
-          </ac:spMkLst>
-        </pc:spChg>
-      </pc:sldChg>
-    </pc:docChg>
-  </pc:docChgLst>
-  <pc:docChgLst>
-    <pc:chgData name="Rodrigo De Pedro Lombao" userId="d9be6118aa640e54" providerId="Windows Live" clId="Web-{6A4AABA4-D3AF-4226-B1E7-212675AC53B8}"/>
-    <pc:docChg chg="modSld">
-      <pc:chgData name="Rodrigo De Pedro Lombao" userId="d9be6118aa640e54" providerId="Windows Live" clId="Web-{6A4AABA4-D3AF-4226-B1E7-212675AC53B8}" dt="2018-04-23T15:55:23.933" v="451"/>
-      <pc:docMkLst>
-        <pc:docMk/>
-      </pc:docMkLst>
-      <pc:sldChg chg="modSp">
-        <pc:chgData name="Rodrigo De Pedro Lombao" userId="d9be6118aa640e54" providerId="Windows Live" clId="Web-{6A4AABA4-D3AF-4226-B1E7-212675AC53B8}" dt="2018-04-23T15:46:32.292" v="10"/>
-        <pc:sldMkLst>
-          <pc:docMk/>
-          <pc:sldMk cId="3154945760" sldId="267"/>
-        </pc:sldMkLst>
-        <pc:spChg chg="mod">
-          <ac:chgData name="Rodrigo De Pedro Lombao" userId="d9be6118aa640e54" providerId="Windows Live" clId="Web-{6A4AABA4-D3AF-4226-B1E7-212675AC53B8}" dt="2018-04-23T15:46:32.292" v="10"/>
-          <ac:spMkLst>
-            <pc:docMk/>
-            <pc:sldMk cId="3154945760" sldId="267"/>
-            <ac:spMk id="3" creationId="{C7DCC549-0768-4143-9A7B-BD871B4BF64B}"/>
-          </ac:spMkLst>
-        </pc:spChg>
-      </pc:sldChg>
-      <pc:sldChg chg="delSp modSp">
-        <pc:chgData name="Rodrigo De Pedro Lombao" userId="d9be6118aa640e54" providerId="Windows Live" clId="Web-{6A4AABA4-D3AF-4226-B1E7-212675AC53B8}" dt="2018-04-23T15:55:21.965" v="449"/>
-        <pc:sldMkLst>
-          <pc:docMk/>
-          <pc:sldMk cId="4266360956" sldId="268"/>
-        </pc:sldMkLst>
-        <pc:spChg chg="mod">
-          <ac:chgData name="Rodrigo De Pedro Lombao" userId="d9be6118aa640e54" providerId="Windows Live" clId="Web-{6A4AABA4-D3AF-4226-B1E7-212675AC53B8}" dt="2018-04-23T15:55:21.965" v="449"/>
-          <ac:spMkLst>
-            <pc:docMk/>
-            <pc:sldMk cId="4266360956" sldId="268"/>
-            <ac:spMk id="3" creationId="{288EA943-502C-4B26-B33F-7D15002CE7EE}"/>
-          </ac:spMkLst>
-        </pc:spChg>
-        <pc:picChg chg="del">
-          <ac:chgData name="Rodrigo De Pedro Lombao" userId="d9be6118aa640e54" providerId="Windows Live" clId="Web-{6A4AABA4-D3AF-4226-B1E7-212675AC53B8}" dt="2018-04-23T15:46:13.386" v="0"/>
-          <ac:picMkLst>
-            <pc:docMk/>
-            <pc:sldMk cId="4266360956" sldId="268"/>
-            <ac:picMk id="4" creationId="{F00141F6-8EDD-4A12-8AA4-B2D3C4FB90B9}"/>
-          </ac:picMkLst>
-        </pc:picChg>
-      </pc:sldChg>
-      <pc:sldChg chg="modSp">
-        <pc:chgData name="Rodrigo De Pedro Lombao" userId="d9be6118aa640e54" providerId="Windows Live" clId="Web-{6A4AABA4-D3AF-4226-B1E7-212675AC53B8}" dt="2018-04-23T15:54:56.590" v="409"/>
-        <pc:sldMkLst>
-          <pc:docMk/>
-          <pc:sldMk cId="3768521968" sldId="269"/>
-        </pc:sldMkLst>
-        <pc:spChg chg="mod">
-          <ac:chgData name="Rodrigo De Pedro Lombao" userId="d9be6118aa640e54" providerId="Windows Live" clId="Web-{6A4AABA4-D3AF-4226-B1E7-212675AC53B8}" dt="2018-04-23T15:54:56.590" v="409"/>
-          <ac:spMkLst>
-            <pc:docMk/>
-            <pc:sldMk cId="3768521968" sldId="269"/>
-            <ac:spMk id="3" creationId="{09032BB1-7C32-4432-A657-346A12360023}"/>
-          </ac:spMkLst>
-        </pc:spChg>
-      </pc:sldChg>
-    </pc:docChg>
-  </pc:docChgLst>
-  <pc:docChgLst>
-    <pc:chgData name="Rodrigo De Pedro Lombao" userId="d9be6118aa640e54" providerId="Windows Live" clId="Web-{5864F4F1-2967-41E7-BB79-83F9DE4D57E8}"/>
-    <pc:docChg chg="addSld delSld modSld sldOrd">
-      <pc:chgData name="Rodrigo De Pedro Lombao" userId="d9be6118aa640e54" providerId="Windows Live" clId="Web-{5864F4F1-2967-41E7-BB79-83F9DE4D57E8}" dt="2018-04-23T22:17:06.059" v="1680"/>
-      <pc:docMkLst>
-        <pc:docMk/>
-      </pc:docMkLst>
-      <pc:sldChg chg="modSp">
-        <pc:chgData name="Rodrigo De Pedro Lombao" userId="d9be6118aa640e54" providerId="Windows Live" clId="Web-{5864F4F1-2967-41E7-BB79-83F9DE4D57E8}" dt="2018-04-23T21:56:14.419" v="1140"/>
-        <pc:sldMkLst>
-          <pc:docMk/>
-          <pc:sldMk cId="400391142" sldId="259"/>
-        </pc:sldMkLst>
-        <pc:spChg chg="mod">
-          <ac:chgData name="Rodrigo De Pedro Lombao" userId="d9be6118aa640e54" providerId="Windows Live" clId="Web-{5864F4F1-2967-41E7-BB79-83F9DE4D57E8}" dt="2018-04-23T21:56:14.419" v="1140"/>
-          <ac:spMkLst>
-            <pc:docMk/>
-            <pc:sldMk cId="400391142" sldId="259"/>
-            <ac:spMk id="3" creationId="{CDD877D3-489F-4072-A165-2347AB8B58EC}"/>
-          </ac:spMkLst>
-        </pc:spChg>
-      </pc:sldChg>
-      <pc:sldChg chg="modSp">
-        <pc:chgData name="Rodrigo De Pedro Lombao" userId="d9be6118aa640e54" providerId="Windows Live" clId="Web-{5864F4F1-2967-41E7-BB79-83F9DE4D57E8}" dt="2018-04-23T22:16:33.558" v="1676"/>
-        <pc:sldMkLst>
-          <pc:docMk/>
-          <pc:sldMk cId="3294029884" sldId="260"/>
-        </pc:sldMkLst>
-        <pc:spChg chg="mod">
-          <ac:chgData name="Rodrigo De Pedro Lombao" userId="d9be6118aa640e54" providerId="Windows Live" clId="Web-{5864F4F1-2967-41E7-BB79-83F9DE4D57E8}" dt="2018-04-23T22:16:33.558" v="1676"/>
-          <ac:spMkLst>
-            <pc:docMk/>
-            <pc:sldMk cId="3294029884" sldId="260"/>
-            <ac:spMk id="3" creationId="{2D9C8BA6-FF17-4CF6-B963-B196CA392BEC}"/>
-          </ac:spMkLst>
-        </pc:spChg>
-      </pc:sldChg>
-      <pc:sldChg chg="modSp">
-        <pc:chgData name="Rodrigo De Pedro Lombao" userId="d9be6118aa640e54" providerId="Windows Live" clId="Web-{5864F4F1-2967-41E7-BB79-83F9DE4D57E8}" dt="2018-04-23T22:05:23.470" v="1383"/>
-        <pc:sldMkLst>
-          <pc:docMk/>
-          <pc:sldMk cId="2715717901" sldId="262"/>
-        </pc:sldMkLst>
-        <pc:spChg chg="mod">
-          <ac:chgData name="Rodrigo De Pedro Lombao" userId="d9be6118aa640e54" providerId="Windows Live" clId="Web-{5864F4F1-2967-41E7-BB79-83F9DE4D57E8}" dt="2018-04-23T22:05:23.470" v="1383"/>
-          <ac:spMkLst>
-            <pc:docMk/>
-            <pc:sldMk cId="2715717901" sldId="262"/>
-            <ac:spMk id="3" creationId="{84DCD1A7-55F9-4129-A956-1B0CBF50FDC3}"/>
-          </ac:spMkLst>
-        </pc:spChg>
-      </pc:sldChg>
-      <pc:sldChg chg="modSp">
-        <pc:chgData name="Rodrigo De Pedro Lombao" userId="d9be6118aa640e54" providerId="Windows Live" clId="Web-{5864F4F1-2967-41E7-BB79-83F9DE4D57E8}" dt="2018-04-23T22:05:10.751" v="1379"/>
-        <pc:sldMkLst>
-          <pc:docMk/>
-          <pc:sldMk cId="2827705627" sldId="263"/>
-        </pc:sldMkLst>
-        <pc:spChg chg="mod">
-          <ac:chgData name="Rodrigo De Pedro Lombao" userId="d9be6118aa640e54" providerId="Windows Live" clId="Web-{5864F4F1-2967-41E7-BB79-83F9DE4D57E8}" dt="2018-04-23T22:05:10.751" v="1379"/>
-          <ac:spMkLst>
-            <pc:docMk/>
-            <pc:sldMk cId="2827705627" sldId="263"/>
-            <ac:spMk id="3" creationId="{931B2194-5167-48DC-AB25-5AD0754BF4E9}"/>
-          </ac:spMkLst>
-        </pc:spChg>
-      </pc:sldChg>
-      <pc:sldChg chg="del">
-        <pc:chgData name="Rodrigo De Pedro Lombao" userId="d9be6118aa640e54" providerId="Windows Live" clId="Web-{5864F4F1-2967-41E7-BB79-83F9DE4D57E8}" dt="2018-04-23T22:17:06.059" v="1679"/>
-        <pc:sldMkLst>
-          <pc:docMk/>
-          <pc:sldMk cId="256979990" sldId="264"/>
-        </pc:sldMkLst>
-      </pc:sldChg>
-      <pc:sldChg chg="del">
-        <pc:chgData name="Rodrigo De Pedro Lombao" userId="d9be6118aa640e54" providerId="Windows Live" clId="Web-{5864F4F1-2967-41E7-BB79-83F9DE4D57E8}" dt="2018-04-23T22:17:06.059" v="1680"/>
-        <pc:sldMkLst>
-          <pc:docMk/>
-          <pc:sldMk cId="2884883685" sldId="265"/>
-        </pc:sldMkLst>
-      </pc:sldChg>
-      <pc:sldChg chg="modSp">
-        <pc:chgData name="Rodrigo De Pedro Lombao" userId="d9be6118aa640e54" providerId="Windows Live" clId="Web-{5864F4F1-2967-41E7-BB79-83F9DE4D57E8}" dt="2018-04-23T22:00:49.413" v="1258"/>
-        <pc:sldMkLst>
-          <pc:docMk/>
-          <pc:sldMk cId="2835357801" sldId="266"/>
-        </pc:sldMkLst>
-        <pc:spChg chg="mod">
-          <ac:chgData name="Rodrigo De Pedro Lombao" userId="d9be6118aa640e54" providerId="Windows Live" clId="Web-{5864F4F1-2967-41E7-BB79-83F9DE4D57E8}" dt="2018-04-23T22:00:49.413" v="1258"/>
-          <ac:spMkLst>
-            <pc:docMk/>
-            <pc:sldMk cId="2835357801" sldId="266"/>
-            <ac:spMk id="3" creationId="{73DE7649-426B-4723-99E7-F2BF42B546F4}"/>
-          </ac:spMkLst>
-        </pc:spChg>
-      </pc:sldChg>
-      <pc:sldChg chg="modSp">
-        <pc:chgData name="Rodrigo De Pedro Lombao" userId="d9be6118aa640e54" providerId="Windows Live" clId="Web-{5864F4F1-2967-41E7-BB79-83F9DE4D57E8}" dt="2018-04-23T22:08:02.054" v="1432"/>
-        <pc:sldMkLst>
-          <pc:docMk/>
-          <pc:sldMk cId="3154945760" sldId="267"/>
-        </pc:sldMkLst>
-        <pc:spChg chg="mod">
-          <ac:chgData name="Rodrigo De Pedro Lombao" userId="d9be6118aa640e54" providerId="Windows Live" clId="Web-{5864F4F1-2967-41E7-BB79-83F9DE4D57E8}" dt="2018-04-23T22:08:02.054" v="1432"/>
-          <ac:spMkLst>
-            <pc:docMk/>
-            <pc:sldMk cId="3154945760" sldId="267"/>
-            <ac:spMk id="3" creationId="{C7DCC549-0768-4143-9A7B-BD871B4BF64B}"/>
-          </ac:spMkLst>
-        </pc:spChg>
-      </pc:sldChg>
-      <pc:sldChg chg="modSp">
-        <pc:chgData name="Rodrigo De Pedro Lombao" userId="d9be6118aa640e54" providerId="Windows Live" clId="Web-{5864F4F1-2967-41E7-BB79-83F9DE4D57E8}" dt="2018-04-23T22:08:08.054" v="1437"/>
-        <pc:sldMkLst>
-          <pc:docMk/>
-          <pc:sldMk cId="4266360956" sldId="268"/>
-        </pc:sldMkLst>
-        <pc:spChg chg="mod">
-          <ac:chgData name="Rodrigo De Pedro Lombao" userId="d9be6118aa640e54" providerId="Windows Live" clId="Web-{5864F4F1-2967-41E7-BB79-83F9DE4D57E8}" dt="2018-04-23T22:08:08.054" v="1437"/>
-          <ac:spMkLst>
-            <pc:docMk/>
-            <pc:sldMk cId="4266360956" sldId="268"/>
-            <ac:spMk id="3" creationId="{288EA943-502C-4B26-B33F-7D15002CE7EE}"/>
-          </ac:spMkLst>
-        </pc:spChg>
-      </pc:sldChg>
-      <pc:sldChg chg="modSp">
-        <pc:chgData name="Rodrigo De Pedro Lombao" userId="d9be6118aa640e54" providerId="Windows Live" clId="Web-{5864F4F1-2967-41E7-BB79-83F9DE4D57E8}" dt="2018-04-23T22:08:10.211" v="1439"/>
-        <pc:sldMkLst>
-          <pc:docMk/>
-          <pc:sldMk cId="3768521968" sldId="269"/>
-        </pc:sldMkLst>
-        <pc:spChg chg="mod">
-          <ac:chgData name="Rodrigo De Pedro Lombao" userId="d9be6118aa640e54" providerId="Windows Live" clId="Web-{5864F4F1-2967-41E7-BB79-83F9DE4D57E8}" dt="2018-04-23T22:08:10.211" v="1439"/>
-          <ac:spMkLst>
-            <pc:docMk/>
-            <pc:sldMk cId="3768521968" sldId="269"/>
-            <ac:spMk id="3" creationId="{09032BB1-7C32-4432-A657-346A12360023}"/>
-          </ac:spMkLst>
-        </pc:spChg>
-      </pc:sldChg>
-      <pc:sldChg chg="modSp">
-        <pc:chgData name="Rodrigo De Pedro Lombao" userId="d9be6118aa640e54" providerId="Windows Live" clId="Web-{5864F4F1-2967-41E7-BB79-83F9DE4D57E8}" dt="2018-04-23T22:08:14.977" v="1440"/>
-        <pc:sldMkLst>
-          <pc:docMk/>
-          <pc:sldMk cId="465187963" sldId="270"/>
-        </pc:sldMkLst>
-        <pc:spChg chg="mod">
-          <ac:chgData name="Rodrigo De Pedro Lombao" userId="d9be6118aa640e54" providerId="Windows Live" clId="Web-{5864F4F1-2967-41E7-BB79-83F9DE4D57E8}" dt="2018-04-23T22:08:14.977" v="1440"/>
-          <ac:spMkLst>
-            <pc:docMk/>
-            <pc:sldMk cId="465187963" sldId="270"/>
-            <ac:spMk id="3" creationId="{193ABBCB-C046-4F57-9AD0-B34108269866}"/>
-          </ac:spMkLst>
-        </pc:spChg>
-      </pc:sldChg>
-      <pc:sldChg chg="modSp">
-        <pc:chgData name="Rodrigo De Pedro Lombao" userId="d9be6118aa640e54" providerId="Windows Live" clId="Web-{5864F4F1-2967-41E7-BB79-83F9DE4D57E8}" dt="2018-04-23T22:08:19.149" v="1441"/>
-        <pc:sldMkLst>
-          <pc:docMk/>
-          <pc:sldMk cId="1936381969" sldId="271"/>
-        </pc:sldMkLst>
-        <pc:spChg chg="mod">
-          <ac:chgData name="Rodrigo De Pedro Lombao" userId="d9be6118aa640e54" providerId="Windows Live" clId="Web-{5864F4F1-2967-41E7-BB79-83F9DE4D57E8}" dt="2018-04-23T22:08:19.149" v="1441"/>
-          <ac:spMkLst>
-            <pc:docMk/>
-            <pc:sldMk cId="1936381969" sldId="271"/>
-            <ac:spMk id="3" creationId="{D7EFF73C-76A3-4F9A-849F-ADCABC8F7251}"/>
-          </ac:spMkLst>
-        </pc:spChg>
-      </pc:sldChg>
-      <pc:sldChg chg="modSp">
-        <pc:chgData name="Rodrigo De Pedro Lombao" userId="d9be6118aa640e54" providerId="Windows Live" clId="Web-{5864F4F1-2967-41E7-BB79-83F9DE4D57E8}" dt="2018-04-23T22:04:10.342" v="1356"/>
-        <pc:sldMkLst>
-          <pc:docMk/>
-          <pc:sldMk cId="1729313021" sldId="272"/>
-        </pc:sldMkLst>
-        <pc:spChg chg="mod">
-          <ac:chgData name="Rodrigo De Pedro Lombao" userId="d9be6118aa640e54" providerId="Windows Live" clId="Web-{5864F4F1-2967-41E7-BB79-83F9DE4D57E8}" dt="2018-04-23T22:04:10.342" v="1356"/>
-          <ac:spMkLst>
-            <pc:docMk/>
-            <pc:sldMk cId="1729313021" sldId="272"/>
-            <ac:spMk id="3" creationId="{490B4834-3EC4-4A60-AEB5-243DA0CDDF90}"/>
-          </ac:spMkLst>
-        </pc:spChg>
-      </pc:sldChg>
-      <pc:sldChg chg="modSp">
-        <pc:chgData name="Rodrigo De Pedro Lombao" userId="d9be6118aa640e54" providerId="Windows Live" clId="Web-{5864F4F1-2967-41E7-BB79-83F9DE4D57E8}" dt="2018-04-23T22:08:25.977" v="1442"/>
-        <pc:sldMkLst>
-          <pc:docMk/>
-          <pc:sldMk cId="2341777097" sldId="273"/>
-        </pc:sldMkLst>
-        <pc:spChg chg="mod">
-          <ac:chgData name="Rodrigo De Pedro Lombao" userId="d9be6118aa640e54" providerId="Windows Live" clId="Web-{5864F4F1-2967-41E7-BB79-83F9DE4D57E8}" dt="2018-04-23T22:08:25.977" v="1442"/>
-          <ac:spMkLst>
-            <pc:docMk/>
-            <pc:sldMk cId="2341777097" sldId="273"/>
-            <ac:spMk id="3" creationId="{36C57DC3-CCC9-4E93-BAD4-0260899C6186}"/>
-          </ac:spMkLst>
-        </pc:spChg>
-      </pc:sldChg>
-      <pc:sldChg chg="modSp">
-        <pc:chgData name="Rodrigo De Pedro Lombao" userId="d9be6118aa640e54" providerId="Windows Live" clId="Web-{5864F4F1-2967-41E7-BB79-83F9DE4D57E8}" dt="2018-04-23T22:08:32.165" v="1443"/>
-        <pc:sldMkLst>
-          <pc:docMk/>
-          <pc:sldMk cId="714381950" sldId="274"/>
-        </pc:sldMkLst>
-        <pc:spChg chg="mod">
-          <ac:chgData name="Rodrigo De Pedro Lombao" userId="d9be6118aa640e54" providerId="Windows Live" clId="Web-{5864F4F1-2967-41E7-BB79-83F9DE4D57E8}" dt="2018-04-23T22:08:32.165" v="1443"/>
-          <ac:spMkLst>
-            <pc:docMk/>
-            <pc:sldMk cId="714381950" sldId="274"/>
-            <ac:spMk id="3" creationId="{C7326D4D-D5E5-4B59-BF45-6AD6B259E131}"/>
-          </ac:spMkLst>
-        </pc:spChg>
-      </pc:sldChg>
-      <pc:sldChg chg="modSp">
-        <pc:chgData name="Rodrigo De Pedro Lombao" userId="d9be6118aa640e54" providerId="Windows Live" clId="Web-{5864F4F1-2967-41E7-BB79-83F9DE4D57E8}" dt="2018-04-23T22:12:31.846" v="1572"/>
-        <pc:sldMkLst>
-          <pc:docMk/>
-          <pc:sldMk cId="2658821743" sldId="275"/>
-        </pc:sldMkLst>
-        <pc:spChg chg="mod">
-          <ac:chgData name="Rodrigo De Pedro Lombao" userId="d9be6118aa640e54" providerId="Windows Live" clId="Web-{5864F4F1-2967-41E7-BB79-83F9DE4D57E8}" dt="2018-04-23T22:12:31.846" v="1572"/>
-          <ac:spMkLst>
-            <pc:docMk/>
-            <pc:sldMk cId="2658821743" sldId="275"/>
-            <ac:spMk id="3" creationId="{A5B98F25-734B-46E7-9031-F158E44D1820}"/>
-          </ac:spMkLst>
-        </pc:spChg>
-      </pc:sldChg>
-      <pc:sldChg chg="addSp delSp modSp ord">
-        <pc:chgData name="Rodrigo De Pedro Lombao" userId="d9be6118aa640e54" providerId="Windows Live" clId="Web-{5864F4F1-2967-41E7-BB79-83F9DE4D57E8}" dt="2018-04-23T22:11:19.609" v="1531"/>
-        <pc:sldMkLst>
-          <pc:docMk/>
-          <pc:sldMk cId="3900361432" sldId="276"/>
-        </pc:sldMkLst>
-        <pc:spChg chg="mod">
-          <ac:chgData name="Rodrigo De Pedro Lombao" userId="d9be6118aa640e54" providerId="Windows Live" clId="Web-{5864F4F1-2967-41E7-BB79-83F9DE4D57E8}" dt="2018-04-23T21:22:11.556" v="4"/>
-          <ac:spMkLst>
-            <pc:docMk/>
-            <pc:sldMk cId="3900361432" sldId="276"/>
-            <ac:spMk id="2" creationId="{563769D7-1771-4099-8ADB-A447166BBAEF}"/>
-          </ac:spMkLst>
-        </pc:spChg>
-        <pc:spChg chg="mod">
-          <ac:chgData name="Rodrigo De Pedro Lombao" userId="d9be6118aa640e54" providerId="Windows Live" clId="Web-{5864F4F1-2967-41E7-BB79-83F9DE4D57E8}" dt="2018-04-23T22:11:19.609" v="1531"/>
-          <ac:spMkLst>
-            <pc:docMk/>
-            <pc:sldMk cId="3900361432" sldId="276"/>
-            <ac:spMk id="3" creationId="{19A4AE19-BD27-47EE-A138-657A575EB1FC}"/>
-          </ac:spMkLst>
-        </pc:spChg>
-        <pc:spChg chg="add mod">
-          <ac:chgData name="Rodrigo De Pedro Lombao" userId="d9be6118aa640e54" providerId="Windows Live" clId="Web-{5864F4F1-2967-41E7-BB79-83F9DE4D57E8}" dt="2018-04-23T22:10:00.918" v="1476"/>
-          <ac:spMkLst>
-            <pc:docMk/>
-            <pc:sldMk cId="3900361432" sldId="276"/>
-            <ac:spMk id="4" creationId="{44BF3770-AB05-40D7-A6F0-E4F93E3482A9}"/>
-          </ac:spMkLst>
-        </pc:spChg>
-        <pc:spChg chg="add del">
-          <ac:chgData name="Rodrigo De Pedro Lombao" userId="d9be6118aa640e54" providerId="Windows Live" clId="Web-{5864F4F1-2967-41E7-BB79-83F9DE4D57E8}" dt="2018-04-23T21:31:42.939" v="231"/>
-          <ac:spMkLst>
-            <pc:docMk/>
-            <pc:sldMk cId="3900361432" sldId="276"/>
-            <ac:spMk id="5" creationId="{BFE5F6B9-FD99-4CD0-9F17-E1B65F52E795}"/>
-          </ac:spMkLst>
-        </pc:spChg>
-        <pc:spChg chg="add del">
-          <ac:chgData name="Rodrigo De Pedro Lombao" userId="d9be6118aa640e54" providerId="Windows Live" clId="Web-{5864F4F1-2967-41E7-BB79-83F9DE4D57E8}" dt="2018-04-23T21:31:40.049" v="230"/>
-          <ac:spMkLst>
-            <pc:docMk/>
-            <pc:sldMk cId="3900361432" sldId="276"/>
-            <ac:spMk id="6" creationId="{BBF9FCC8-3FAA-4AF9-B40D-A64B6D0CBA0F}"/>
-          </ac:spMkLst>
-        </pc:spChg>
-      </pc:sldChg>
-      <pc:sldChg chg="new del">
-        <pc:chgData name="Rodrigo De Pedro Lombao" userId="d9be6118aa640e54" providerId="Windows Live" clId="Web-{5864F4F1-2967-41E7-BB79-83F9DE4D57E8}" dt="2018-04-23T21:37:16.269" v="395"/>
-        <pc:sldMkLst>
-          <pc:docMk/>
-          <pc:sldMk cId="264289341" sldId="277"/>
-        </pc:sldMkLst>
-      </pc:sldChg>
-      <pc:sldChg chg="modSp add replId">
-        <pc:chgData name="Rodrigo De Pedro Lombao" userId="d9be6118aa640e54" providerId="Windows Live" clId="Web-{5864F4F1-2967-41E7-BB79-83F9DE4D57E8}" dt="2018-04-23T22:11:50.626" v="1540"/>
-        <pc:sldMkLst>
-          <pc:docMk/>
-          <pc:sldMk cId="1340754361" sldId="277"/>
-        </pc:sldMkLst>
-        <pc:spChg chg="mod">
-          <ac:chgData name="Rodrigo De Pedro Lombao" userId="d9be6118aa640e54" providerId="Windows Live" clId="Web-{5864F4F1-2967-41E7-BB79-83F9DE4D57E8}" dt="2018-04-23T21:42:35.621" v="577"/>
-          <ac:spMkLst>
-            <pc:docMk/>
-            <pc:sldMk cId="1340754361" sldId="277"/>
-            <ac:spMk id="2" creationId="{563769D7-1771-4099-8ADB-A447166BBAEF}"/>
-          </ac:spMkLst>
-        </pc:spChg>
-        <pc:spChg chg="mod">
-          <ac:chgData name="Rodrigo De Pedro Lombao" userId="d9be6118aa640e54" providerId="Windows Live" clId="Web-{5864F4F1-2967-41E7-BB79-83F9DE4D57E8}" dt="2018-04-23T22:10:36.545" v="1494"/>
-          <ac:spMkLst>
-            <pc:docMk/>
-            <pc:sldMk cId="1340754361" sldId="277"/>
-            <ac:spMk id="3" creationId="{19A4AE19-BD27-47EE-A138-657A575EB1FC}"/>
-          </ac:spMkLst>
-        </pc:spChg>
-        <pc:spChg chg="mod">
-          <ac:chgData name="Rodrigo De Pedro Lombao" userId="d9be6118aa640e54" providerId="Windows Live" clId="Web-{5864F4F1-2967-41E7-BB79-83F9DE4D57E8}" dt="2018-04-23T22:11:50.626" v="1540"/>
-          <ac:spMkLst>
-            <pc:docMk/>
-            <pc:sldMk cId="1340754361" sldId="277"/>
-            <ac:spMk id="4" creationId="{44BF3770-AB05-40D7-A6F0-E4F93E3482A9}"/>
-          </ac:spMkLst>
-        </pc:spChg>
-      </pc:sldChg>
-      <pc:sldChg chg="delSp modSp add replId">
-        <pc:chgData name="Rodrigo De Pedro Lombao" userId="d9be6118aa640e54" providerId="Windows Live" clId="Web-{5864F4F1-2967-41E7-BB79-83F9DE4D57E8}" dt="2018-04-23T22:14:08.709" v="1596"/>
-        <pc:sldMkLst>
-          <pc:docMk/>
-          <pc:sldMk cId="2105713907" sldId="278"/>
-        </pc:sldMkLst>
-        <pc:spChg chg="mod">
-          <ac:chgData name="Rodrigo De Pedro Lombao" userId="d9be6118aa640e54" providerId="Windows Live" clId="Web-{5864F4F1-2967-41E7-BB79-83F9DE4D57E8}" dt="2018-04-23T21:45:22.049" v="597"/>
-          <ac:spMkLst>
-            <pc:docMk/>
-            <pc:sldMk cId="2105713907" sldId="278"/>
-            <ac:spMk id="2" creationId="{563769D7-1771-4099-8ADB-A447166BBAEF}"/>
-          </ac:spMkLst>
-        </pc:spChg>
-        <pc:spChg chg="mod">
-          <ac:chgData name="Rodrigo De Pedro Lombao" userId="d9be6118aa640e54" providerId="Windows Live" clId="Web-{5864F4F1-2967-41E7-BB79-83F9DE4D57E8}" dt="2018-04-23T22:14:08.709" v="1596"/>
-          <ac:spMkLst>
-            <pc:docMk/>
-            <pc:sldMk cId="2105713907" sldId="278"/>
-            <ac:spMk id="3" creationId="{19A4AE19-BD27-47EE-A138-657A575EB1FC}"/>
-          </ac:spMkLst>
-        </pc:spChg>
-        <pc:spChg chg="del mod">
-          <ac:chgData name="Rodrigo De Pedro Lombao" userId="d9be6118aa640e54" providerId="Windows Live" clId="Web-{5864F4F1-2967-41E7-BB79-83F9DE4D57E8}" dt="2018-04-23T21:49:02.745" v="793"/>
-          <ac:spMkLst>
-            <pc:docMk/>
-            <pc:sldMk cId="2105713907" sldId="278"/>
-            <ac:spMk id="4" creationId="{44BF3770-AB05-40D7-A6F0-E4F93E3482A9}"/>
-          </ac:spMkLst>
-        </pc:spChg>
-      </pc:sldChg>
-      <pc:sldChg chg="new del">
-        <pc:chgData name="Rodrigo De Pedro Lombao" userId="d9be6118aa640e54" providerId="Windows Live" clId="Web-{5864F4F1-2967-41E7-BB79-83F9DE4D57E8}" dt="2018-04-23T21:42:45.856" v="579"/>
-        <pc:sldMkLst>
-          <pc:docMk/>
-          <pc:sldMk cId="3334416042" sldId="278"/>
-        </pc:sldMkLst>
-      </pc:sldChg>
-      <pc:sldChg chg="modSp new">
-        <pc:chgData name="Rodrigo De Pedro Lombao" userId="d9be6118aa640e54" providerId="Windows Live" clId="Web-{5864F4F1-2967-41E7-BB79-83F9DE4D57E8}" dt="2018-04-23T22:15:47.010" v="1664"/>
-        <pc:sldMkLst>
-          <pc:docMk/>
-          <pc:sldMk cId="2170839789" sldId="279"/>
-        </pc:sldMkLst>
-        <pc:spChg chg="mod">
-          <ac:chgData name="Rodrigo De Pedro Lombao" userId="d9be6118aa640e54" providerId="Windows Live" clId="Web-{5864F4F1-2967-41E7-BB79-83F9DE4D57E8}" dt="2018-04-23T21:53:23.395" v="989"/>
-          <ac:spMkLst>
-            <pc:docMk/>
-            <pc:sldMk cId="2170839789" sldId="279"/>
-            <ac:spMk id="2" creationId="{C97A6A68-7C3E-4415-8DD4-DAA199A1CE75}"/>
-          </ac:spMkLst>
-        </pc:spChg>
-        <pc:spChg chg="mod">
-          <ac:chgData name="Rodrigo De Pedro Lombao" userId="d9be6118aa640e54" providerId="Windows Live" clId="Web-{5864F4F1-2967-41E7-BB79-83F9DE4D57E8}" dt="2018-04-23T22:15:47.010" v="1664"/>
-          <ac:spMkLst>
-            <pc:docMk/>
-            <pc:sldMk cId="2170839789" sldId="279"/>
-            <ac:spMk id="3" creationId="{D34E70C1-8B66-478A-8209-434A66AF17FB}"/>
-          </ac:spMkLst>
-        </pc:spChg>
-      </pc:sldChg>
-    </pc:docChg>
-  </pc:docChgLst>
-  <pc:docChgLst>
-    <pc:chgData name="Rodrigo De Pedro Lombao" userId="d9be6118aa640e54" providerId="Windows Live" clId="Web-{31723195-0101-45DA-A1B3-DDDE8FBEE4B8}"/>
-    <pc:docChg chg="addSld modSld modMainMaster modSection">
-      <pc:chgData name="Rodrigo De Pedro Lombao" userId="d9be6118aa640e54" providerId="Windows Live" clId="Web-{31723195-0101-45DA-A1B3-DDDE8FBEE4B8}" dt="2018-02-13T15:37:40.790" v="83"/>
-      <pc:docMkLst>
-        <pc:docMk/>
-      </pc:docMkLst>
-      <pc:sldChg chg="modTransition">
-        <pc:chgData name="Rodrigo De Pedro Lombao" userId="d9be6118aa640e54" providerId="Windows Live" clId="Web-{31723195-0101-45DA-A1B3-DDDE8FBEE4B8}" dt="2018-02-13T15:37:40.790" v="83"/>
-        <pc:sldMkLst>
-          <pc:docMk/>
-          <pc:sldMk cId="2029002549" sldId="256"/>
-        </pc:sldMkLst>
-      </pc:sldChg>
-      <pc:sldChg chg="modTransition">
-        <pc:chgData name="Rodrigo De Pedro Lombao" userId="d9be6118aa640e54" providerId="Windows Live" clId="Web-{31723195-0101-45DA-A1B3-DDDE8FBEE4B8}" dt="2018-02-13T15:37:40.790" v="83"/>
-        <pc:sldMkLst>
-          <pc:docMk/>
-          <pc:sldMk cId="2296568263" sldId="257"/>
-        </pc:sldMkLst>
-      </pc:sldChg>
-      <pc:sldChg chg="addSp delSp modSp modTransition">
-        <pc:chgData name="Rodrigo De Pedro Lombao" userId="d9be6118aa640e54" providerId="Windows Live" clId="Web-{31723195-0101-45DA-A1B3-DDDE8FBEE4B8}" dt="2018-02-13T15:37:40.790" v="83"/>
-        <pc:sldMkLst>
-          <pc:docMk/>
-          <pc:sldMk cId="3425111425" sldId="258"/>
-        </pc:sldMkLst>
-        <pc:spChg chg="del">
-          <ac:chgData name="Rodrigo De Pedro Lombao" userId="d9be6118aa640e54" providerId="Windows Live" clId="Web-{31723195-0101-45DA-A1B3-DDDE8FBEE4B8}" dt="2018-02-13T15:19:09.117" v="0"/>
-          <ac:spMkLst>
-            <pc:docMk/>
-            <pc:sldMk cId="3425111425" sldId="258"/>
-            <ac:spMk id="3" creationId="{3F62FCDC-D279-43AA-80D8-4724DA3F8053}"/>
-          </ac:spMkLst>
-        </pc:spChg>
-        <pc:spChg chg="add del mod">
-          <ac:chgData name="Rodrigo De Pedro Lombao" userId="d9be6118aa640e54" providerId="Windows Live" clId="Web-{31723195-0101-45DA-A1B3-DDDE8FBEE4B8}" dt="2018-02-13T15:24:25.507" v="12"/>
-          <ac:spMkLst>
-            <pc:docMk/>
-            <pc:sldMk cId="3425111425" sldId="258"/>
-            <ac:spMk id="7" creationId="{66B304A0-24CC-44EE-8595-01F32B0ABEBB}"/>
-          </ac:spMkLst>
-        </pc:spChg>
-        <pc:spChg chg="add del mod">
-          <ac:chgData name="Rodrigo De Pedro Lombao" userId="d9be6118aa640e54" providerId="Windows Live" clId="Web-{31723195-0101-45DA-A1B3-DDDE8FBEE4B8}" dt="2018-02-13T15:25:23.305" v="19"/>
-          <ac:spMkLst>
-            <pc:docMk/>
-            <pc:sldMk cId="3425111425" sldId="258"/>
-            <ac:spMk id="11" creationId="{CC23A61A-7CE6-4052-A855-03E562272028}"/>
-          </ac:spMkLst>
-        </pc:spChg>
-        <pc:picChg chg="add del mod ord">
-          <ac:chgData name="Rodrigo De Pedro Lombao" userId="d9be6118aa640e54" providerId="Windows Live" clId="Web-{31723195-0101-45DA-A1B3-DDDE8FBEE4B8}" dt="2018-02-13T15:24:23.414" v="11"/>
-          <ac:picMkLst>
-            <pc:docMk/>
-            <pc:sldMk cId="3425111425" sldId="258"/>
-            <ac:picMk id="4" creationId="{F97C2E21-C12C-4CB0-A49F-05A9E8C5B389}"/>
-          </ac:picMkLst>
-        </pc:picChg>
-        <pc:picChg chg="add del mod ord">
-          <ac:chgData name="Rodrigo De Pedro Lombao" userId="d9be6118aa640e54" providerId="Windows Live" clId="Web-{31723195-0101-45DA-A1B3-DDDE8FBEE4B8}" dt="2018-02-13T15:25:21.071" v="18"/>
-          <ac:picMkLst>
-            <pc:docMk/>
-            <pc:sldMk cId="3425111425" sldId="258"/>
-            <ac:picMk id="8" creationId="{7B10C6CE-8028-439A-8CF6-59761AF7F093}"/>
-          </ac:picMkLst>
-        </pc:picChg>
-        <pc:picChg chg="add mod ord">
-          <ac:chgData name="Rodrigo De Pedro Lombao" userId="d9be6118aa640e54" providerId="Windows Live" clId="Web-{31723195-0101-45DA-A1B3-DDDE8FBEE4B8}" dt="2018-02-13T15:25:44.634" v="24"/>
-          <ac:picMkLst>
-            <pc:docMk/>
-            <pc:sldMk cId="3425111425" sldId="258"/>
-            <ac:picMk id="12" creationId="{BF279533-31EE-44FB-A30D-3FCB4F0019C1}"/>
-          </ac:picMkLst>
-        </pc:picChg>
-      </pc:sldChg>
-      <pc:sldChg chg="modSp new modTransition">
-        <pc:chgData name="Rodrigo De Pedro Lombao" userId="d9be6118aa640e54" providerId="Windows Live" clId="Web-{31723195-0101-45DA-A1B3-DDDE8FBEE4B8}" dt="2018-02-13T15:37:40.790" v="83"/>
-        <pc:sldMkLst>
-          <pc:docMk/>
-          <pc:sldMk cId="400391142" sldId="259"/>
-        </pc:sldMkLst>
-        <pc:spChg chg="mod">
-          <ac:chgData name="Rodrigo De Pedro Lombao" userId="d9be6118aa640e54" providerId="Windows Live" clId="Web-{31723195-0101-45DA-A1B3-DDDE8FBEE4B8}" dt="2018-02-13T15:34:55.727" v="46"/>
-          <ac:spMkLst>
-            <pc:docMk/>
-            <pc:sldMk cId="400391142" sldId="259"/>
-            <ac:spMk id="2" creationId="{6A34F6E1-EE56-46F4-BA33-A999DD83768A}"/>
-          </ac:spMkLst>
-        </pc:spChg>
-        <pc:spChg chg="mod">
-          <ac:chgData name="Rodrigo De Pedro Lombao" userId="d9be6118aa640e54" providerId="Windows Live" clId="Web-{31723195-0101-45DA-A1B3-DDDE8FBEE4B8}" dt="2018-02-13T15:34:41.649" v="44"/>
-          <ac:spMkLst>
-            <pc:docMk/>
-            <pc:sldMk cId="400391142" sldId="259"/>
-            <ac:spMk id="3" creationId="{CDD877D3-489F-4072-A165-2347AB8B58EC}"/>
-          </ac:spMkLst>
-        </pc:spChg>
-      </pc:sldChg>
-      <pc:sldChg chg="modSp new modTransition">
-        <pc:chgData name="Rodrigo De Pedro Lombao" userId="d9be6118aa640e54" providerId="Windows Live" clId="Web-{31723195-0101-45DA-A1B3-DDDE8FBEE4B8}" dt="2018-02-13T15:37:40.790" v="83"/>
-        <pc:sldMkLst>
-          <pc:docMk/>
-          <pc:sldMk cId="3294029884" sldId="260"/>
-        </pc:sldMkLst>
-        <pc:spChg chg="mod">
-          <ac:chgData name="Rodrigo De Pedro Lombao" userId="d9be6118aa640e54" providerId="Windows Live" clId="Web-{31723195-0101-45DA-A1B3-DDDE8FBEE4B8}" dt="2018-02-13T15:35:07.352" v="52"/>
-          <ac:spMkLst>
-            <pc:docMk/>
-            <pc:sldMk cId="3294029884" sldId="260"/>
-            <ac:spMk id="2" creationId="{51292E06-A538-42C4-AED0-FB75C9ABC22A}"/>
-          </ac:spMkLst>
-        </pc:spChg>
-        <pc:spChg chg="mod">
-          <ac:chgData name="Rodrigo De Pedro Lombao" userId="d9be6118aa640e54" providerId="Windows Live" clId="Web-{31723195-0101-45DA-A1B3-DDDE8FBEE4B8}" dt="2018-02-13T15:36:07.571" v="66"/>
-          <ac:spMkLst>
-            <pc:docMk/>
-            <pc:sldMk cId="3294029884" sldId="260"/>
-            <ac:spMk id="3" creationId="{2D9C8BA6-FF17-4CF6-B963-B196CA392BEC}"/>
-          </ac:spMkLst>
-        </pc:spChg>
-      </pc:sldChg>
-      <pc:sldChg chg="delSp modSp new mod modTransition modClrScheme chgLayout">
-        <pc:chgData name="Rodrigo De Pedro Lombao" userId="d9be6118aa640e54" providerId="Windows Live" clId="Web-{31723195-0101-45DA-A1B3-DDDE8FBEE4B8}" dt="2018-02-13T15:37:40.790" v="83"/>
-        <pc:sldMkLst>
-          <pc:docMk/>
-          <pc:sldMk cId="227846741" sldId="261"/>
-        </pc:sldMkLst>
-        <pc:spChg chg="mod ord">
-          <ac:chgData name="Rodrigo De Pedro Lombao" userId="d9be6118aa640e54" providerId="Windows Live" clId="Web-{31723195-0101-45DA-A1B3-DDDE8FBEE4B8}" dt="2018-02-13T15:37:11.868" v="78"/>
-          <ac:spMkLst>
-            <pc:docMk/>
-            <pc:sldMk cId="227846741" sldId="261"/>
-            <ac:spMk id="2" creationId="{AC1F748A-C3A0-4356-BBEE-CFBB0D14BDE7}"/>
-          </ac:spMkLst>
-        </pc:spChg>
-        <pc:spChg chg="del mod ord">
-          <ac:chgData name="Rodrigo De Pedro Lombao" userId="d9be6118aa640e54" providerId="Windows Live" clId="Web-{31723195-0101-45DA-A1B3-DDDE8FBEE4B8}" dt="2018-02-13T15:37:17.993" v="79"/>
-          <ac:spMkLst>
-            <pc:docMk/>
-            <pc:sldMk cId="227846741" sldId="261"/>
-            <ac:spMk id="3" creationId="{E6A39531-4089-4E97-8677-0A83F96CC493}"/>
-          </ac:spMkLst>
-        </pc:spChg>
-      </pc:sldChg>
-      <pc:sldMasterChg chg="modTransition modSldLayout">
-        <pc:chgData name="Rodrigo De Pedro Lombao" userId="d9be6118aa640e54" providerId="Windows Live" clId="Web-{31723195-0101-45DA-A1B3-DDDE8FBEE4B8}" dt="2018-02-13T15:37:40.790" v="83"/>
-        <pc:sldMasterMkLst>
-          <pc:docMk/>
-          <pc:sldMasterMk cId="1030281336" sldId="2147483712"/>
-        </pc:sldMasterMkLst>
-        <pc:sldLayoutChg chg="modTransition">
-          <pc:chgData name="Rodrigo De Pedro Lombao" userId="d9be6118aa640e54" providerId="Windows Live" clId="Web-{31723195-0101-45DA-A1B3-DDDE8FBEE4B8}" dt="2018-02-13T15:37:40.790" v="83"/>
-          <pc:sldLayoutMkLst>
-            <pc:docMk/>
-            <pc:sldMasterMk cId="1030281336" sldId="2147483712"/>
-            <pc:sldLayoutMk cId="3730027274" sldId="2147483713"/>
-          </pc:sldLayoutMkLst>
-        </pc:sldLayoutChg>
-        <pc:sldLayoutChg chg="modTransition">
-          <pc:chgData name="Rodrigo De Pedro Lombao" userId="d9be6118aa640e54" providerId="Windows Live" clId="Web-{31723195-0101-45DA-A1B3-DDDE8FBEE4B8}" dt="2018-02-13T15:37:40.790" v="83"/>
-          <pc:sldLayoutMkLst>
-            <pc:docMk/>
-            <pc:sldMasterMk cId="1030281336" sldId="2147483712"/>
-            <pc:sldLayoutMk cId="3615335090" sldId="2147483714"/>
-          </pc:sldLayoutMkLst>
-        </pc:sldLayoutChg>
-        <pc:sldLayoutChg chg="modTransition">
-          <pc:chgData name="Rodrigo De Pedro Lombao" userId="d9be6118aa640e54" providerId="Windows Live" clId="Web-{31723195-0101-45DA-A1B3-DDDE8FBEE4B8}" dt="2018-02-13T15:37:40.790" v="83"/>
-          <pc:sldLayoutMkLst>
-            <pc:docMk/>
-            <pc:sldMasterMk cId="1030281336" sldId="2147483712"/>
-            <pc:sldLayoutMk cId="3182682687" sldId="2147483715"/>
-          </pc:sldLayoutMkLst>
-        </pc:sldLayoutChg>
-        <pc:sldLayoutChg chg="modTransition">
-          <pc:chgData name="Rodrigo De Pedro Lombao" userId="d9be6118aa640e54" providerId="Windows Live" clId="Web-{31723195-0101-45DA-A1B3-DDDE8FBEE4B8}" dt="2018-02-13T15:37:40.790" v="83"/>
-          <pc:sldLayoutMkLst>
-            <pc:docMk/>
-            <pc:sldMasterMk cId="1030281336" sldId="2147483712"/>
-            <pc:sldLayoutMk cId="2184034186" sldId="2147483716"/>
-          </pc:sldLayoutMkLst>
-        </pc:sldLayoutChg>
-        <pc:sldLayoutChg chg="modTransition">
-          <pc:chgData name="Rodrigo De Pedro Lombao" userId="d9be6118aa640e54" providerId="Windows Live" clId="Web-{31723195-0101-45DA-A1B3-DDDE8FBEE4B8}" dt="2018-02-13T15:37:40.790" v="83"/>
-          <pc:sldLayoutMkLst>
-            <pc:docMk/>
-            <pc:sldMasterMk cId="1030281336" sldId="2147483712"/>
-            <pc:sldLayoutMk cId="3719298310" sldId="2147483717"/>
-          </pc:sldLayoutMkLst>
-        </pc:sldLayoutChg>
-        <pc:sldLayoutChg chg="modTransition">
-          <pc:chgData name="Rodrigo De Pedro Lombao" userId="d9be6118aa640e54" providerId="Windows Live" clId="Web-{31723195-0101-45DA-A1B3-DDDE8FBEE4B8}" dt="2018-02-13T15:37:40.790" v="83"/>
-          <pc:sldLayoutMkLst>
-            <pc:docMk/>
-            <pc:sldMasterMk cId="1030281336" sldId="2147483712"/>
-            <pc:sldLayoutMk cId="652017055" sldId="2147483718"/>
-          </pc:sldLayoutMkLst>
-        </pc:sldLayoutChg>
-        <pc:sldLayoutChg chg="modTransition">
-          <pc:chgData name="Rodrigo De Pedro Lombao" userId="d9be6118aa640e54" providerId="Windows Live" clId="Web-{31723195-0101-45DA-A1B3-DDDE8FBEE4B8}" dt="2018-02-13T15:37:40.790" v="83"/>
-          <pc:sldLayoutMkLst>
-            <pc:docMk/>
-            <pc:sldMasterMk cId="1030281336" sldId="2147483712"/>
-            <pc:sldLayoutMk cId="2626920958" sldId="2147483719"/>
-          </pc:sldLayoutMkLst>
-        </pc:sldLayoutChg>
-        <pc:sldLayoutChg chg="modTransition">
-          <pc:chgData name="Rodrigo De Pedro Lombao" userId="d9be6118aa640e54" providerId="Windows Live" clId="Web-{31723195-0101-45DA-A1B3-DDDE8FBEE4B8}" dt="2018-02-13T15:37:40.790" v="83"/>
-          <pc:sldLayoutMkLst>
-            <pc:docMk/>
-            <pc:sldMasterMk cId="1030281336" sldId="2147483712"/>
-            <pc:sldLayoutMk cId="1052428755" sldId="2147483720"/>
-          </pc:sldLayoutMkLst>
-        </pc:sldLayoutChg>
-        <pc:sldLayoutChg chg="modTransition">
-          <pc:chgData name="Rodrigo De Pedro Lombao" userId="d9be6118aa640e54" providerId="Windows Live" clId="Web-{31723195-0101-45DA-A1B3-DDDE8FBEE4B8}" dt="2018-02-13T15:37:40.790" v="83"/>
-          <pc:sldLayoutMkLst>
-            <pc:docMk/>
-            <pc:sldMasterMk cId="1030281336" sldId="2147483712"/>
-            <pc:sldLayoutMk cId="643897660" sldId="2147483721"/>
-          </pc:sldLayoutMkLst>
-        </pc:sldLayoutChg>
-        <pc:sldLayoutChg chg="modTransition">
-          <pc:chgData name="Rodrigo De Pedro Lombao" userId="d9be6118aa640e54" providerId="Windows Live" clId="Web-{31723195-0101-45DA-A1B3-DDDE8FBEE4B8}" dt="2018-02-13T15:37:40.790" v="83"/>
-          <pc:sldLayoutMkLst>
-            <pc:docMk/>
-            <pc:sldMasterMk cId="1030281336" sldId="2147483712"/>
-            <pc:sldLayoutMk cId="188915421" sldId="2147483722"/>
-          </pc:sldLayoutMkLst>
-        </pc:sldLayoutChg>
-        <pc:sldLayoutChg chg="modTransition">
-          <pc:chgData name="Rodrigo De Pedro Lombao" userId="d9be6118aa640e54" providerId="Windows Live" clId="Web-{31723195-0101-45DA-A1B3-DDDE8FBEE4B8}" dt="2018-02-13T15:37:40.790" v="83"/>
-          <pc:sldLayoutMkLst>
-            <pc:docMk/>
-            <pc:sldMasterMk cId="1030281336" sldId="2147483712"/>
-            <pc:sldLayoutMk cId="1299595549" sldId="2147483723"/>
-          </pc:sldLayoutMkLst>
-        </pc:sldLayoutChg>
-        <pc:sldLayoutChg chg="modTransition">
-          <pc:chgData name="Rodrigo De Pedro Lombao" userId="d9be6118aa640e54" providerId="Windows Live" clId="Web-{31723195-0101-45DA-A1B3-DDDE8FBEE4B8}" dt="2018-02-13T15:37:40.790" v="83"/>
-          <pc:sldLayoutMkLst>
-            <pc:docMk/>
-            <pc:sldMasterMk cId="1030281336" sldId="2147483712"/>
-            <pc:sldLayoutMk cId="2241407899" sldId="2147483724"/>
-          </pc:sldLayoutMkLst>
-        </pc:sldLayoutChg>
-        <pc:sldLayoutChg chg="modTransition">
-          <pc:chgData name="Rodrigo De Pedro Lombao" userId="d9be6118aa640e54" providerId="Windows Live" clId="Web-{31723195-0101-45DA-A1B3-DDDE8FBEE4B8}" dt="2018-02-13T15:37:40.790" v="83"/>
-          <pc:sldLayoutMkLst>
-            <pc:docMk/>
-            <pc:sldMasterMk cId="1030281336" sldId="2147483712"/>
-            <pc:sldLayoutMk cId="1184290286" sldId="2147483725"/>
-          </pc:sldLayoutMkLst>
-        </pc:sldLayoutChg>
-        <pc:sldLayoutChg chg="modTransition">
-          <pc:chgData name="Rodrigo De Pedro Lombao" userId="d9be6118aa640e54" providerId="Windows Live" clId="Web-{31723195-0101-45DA-A1B3-DDDE8FBEE4B8}" dt="2018-02-13T15:37:40.790" v="83"/>
-          <pc:sldLayoutMkLst>
-            <pc:docMk/>
-            <pc:sldMasterMk cId="1030281336" sldId="2147483712"/>
-            <pc:sldLayoutMk cId="4227103680" sldId="2147483726"/>
-          </pc:sldLayoutMkLst>
-        </pc:sldLayoutChg>
-      </pc:sldMasterChg>
-    </pc:docChg>
-  </pc:docChgLst>
-  <pc:docChgLst>
-    <pc:chgData name="Rodrigo De Pedro Lombao" userId="d9be6118aa640e54" providerId="Windows Live" clId="Web-{BBD2B79B-79C2-4A13-A84F-C1E149B3DF19}"/>
-    <pc:docChg chg="modSld">
-      <pc:chgData name="Rodrigo De Pedro Lombao" userId="d9be6118aa640e54" providerId="Windows Live" clId="Web-{BBD2B79B-79C2-4A13-A84F-C1E149B3DF19}" dt="2018-04-23T22:29:27.275" v="32"/>
-      <pc:docMkLst>
-        <pc:docMk/>
-      </pc:docMkLst>
-      <pc:sldChg chg="addSp modSp">
-        <pc:chgData name="Rodrigo De Pedro Lombao" userId="d9be6118aa640e54" providerId="Windows Live" clId="Web-{BBD2B79B-79C2-4A13-A84F-C1E149B3DF19}" dt="2018-04-23T22:29:27.275" v="32"/>
-        <pc:sldMkLst>
-          <pc:docMk/>
-          <pc:sldMk cId="2296568263" sldId="257"/>
-        </pc:sldMkLst>
-        <pc:spChg chg="mod">
-          <ac:chgData name="Rodrigo De Pedro Lombao" userId="d9be6118aa640e54" providerId="Windows Live" clId="Web-{BBD2B79B-79C2-4A13-A84F-C1E149B3DF19}" dt="2018-04-23T22:27:58.538" v="25"/>
-          <ac:spMkLst>
-            <pc:docMk/>
-            <pc:sldMk cId="2296568263" sldId="257"/>
-            <ac:spMk id="3" creationId="{C5F1936A-0079-4C3A-AF64-00A70C6201C4}"/>
-          </ac:spMkLst>
-        </pc:spChg>
-        <pc:picChg chg="add mod">
-          <ac:chgData name="Rodrigo De Pedro Lombao" userId="d9be6118aa640e54" providerId="Windows Live" clId="Web-{BBD2B79B-79C2-4A13-A84F-C1E149B3DF19}" dt="2018-04-23T22:29:27.275" v="32"/>
-          <ac:picMkLst>
-            <pc:docMk/>
-            <pc:sldMk cId="2296568263" sldId="257"/>
-            <ac:picMk id="4" creationId="{A73D0747-2B48-4C88-B056-DA6E515E0C91}"/>
-          </ac:picMkLst>
-        </pc:picChg>
-      </pc:sldChg>
-    </pc:docChg>
-  </pc:docChgLst>
-  <pc:docChgLst>
-    <pc:chgData name="Rodrigo De Pedro Lombao" userId="d9be6118aa640e54" providerId="Windows Live" clId="Web-{CC9E4233-B84F-45B4-ACB9-70B9A0218CE1}"/>
-    <pc:docChg chg="addSld delSld modSld sldOrd">
-      <pc:chgData name="Rodrigo De Pedro Lombao" userId="d9be6118aa640e54" providerId="Windows Live" clId="Web-{CC9E4233-B84F-45B4-ACB9-70B9A0218CE1}" dt="2018-04-25T21:11:50.266" v="581"/>
-      <pc:docMkLst>
-        <pc:docMk/>
-      </pc:docMkLst>
-      <pc:sldChg chg="modSp del mod ord modClrScheme chgLayout">
-        <pc:chgData name="Rodrigo De Pedro Lombao" userId="d9be6118aa640e54" providerId="Windows Live" clId="Web-{CC9E4233-B84F-45B4-ACB9-70B9A0218CE1}" dt="2018-04-25T20:38:53.704" v="123"/>
-        <pc:sldMkLst>
-          <pc:docMk/>
-          <pc:sldMk cId="400391142" sldId="259"/>
-        </pc:sldMkLst>
-        <pc:spChg chg="mod ord">
-          <ac:chgData name="Rodrigo De Pedro Lombao" userId="d9be6118aa640e54" providerId="Windows Live" clId="Web-{CC9E4233-B84F-45B4-ACB9-70B9A0218CE1}" dt="2018-04-25T20:31:02.001" v="54"/>
-          <ac:spMkLst>
-            <pc:docMk/>
-            <pc:sldMk cId="400391142" sldId="259"/>
-            <ac:spMk id="2" creationId="{6A34F6E1-EE56-46F4-BA33-A999DD83768A}"/>
-          </ac:spMkLst>
-        </pc:spChg>
-        <pc:spChg chg="mod ord">
-          <ac:chgData name="Rodrigo De Pedro Lombao" userId="d9be6118aa640e54" providerId="Windows Live" clId="Web-{CC9E4233-B84F-45B4-ACB9-70B9A0218CE1}" dt="2018-04-25T20:31:02.001" v="54"/>
-          <ac:spMkLst>
-            <pc:docMk/>
-            <pc:sldMk cId="400391142" sldId="259"/>
-            <ac:spMk id="3" creationId="{CDD877D3-489F-4072-A165-2347AB8B58EC}"/>
-          </ac:spMkLst>
-        </pc:spChg>
-      </pc:sldChg>
-      <pc:sldChg chg="ord">
-        <pc:chgData name="Rodrigo De Pedro Lombao" userId="d9be6118aa640e54" providerId="Windows Live" clId="Web-{CC9E4233-B84F-45B4-ACB9-70B9A0218CE1}" dt="2018-04-25T20:42:19.079" v="141"/>
-        <pc:sldMkLst>
-          <pc:docMk/>
-          <pc:sldMk cId="2715717901" sldId="262"/>
-        </pc:sldMkLst>
-      </pc:sldChg>
-      <pc:sldChg chg="ord">
-        <pc:chgData name="Rodrigo De Pedro Lombao" userId="d9be6118aa640e54" providerId="Windows Live" clId="Web-{CC9E4233-B84F-45B4-ACB9-70B9A0218CE1}" dt="2018-04-25T20:42:54.860" v="144"/>
-        <pc:sldMkLst>
-          <pc:docMk/>
-          <pc:sldMk cId="2827705627" sldId="263"/>
-        </pc:sldMkLst>
-      </pc:sldChg>
-      <pc:sldChg chg="modSp ord">
-        <pc:chgData name="Rodrigo De Pedro Lombao" userId="d9be6118aa640e54" providerId="Windows Live" clId="Web-{CC9E4233-B84F-45B4-ACB9-70B9A0218CE1}" dt="2018-04-25T20:42:23.829" v="142"/>
-        <pc:sldMkLst>
-          <pc:docMk/>
-          <pc:sldMk cId="2835357801" sldId="266"/>
-        </pc:sldMkLst>
-        <pc:spChg chg="mod">
-          <ac:chgData name="Rodrigo De Pedro Lombao" userId="d9be6118aa640e54" providerId="Windows Live" clId="Web-{CC9E4233-B84F-45B4-ACB9-70B9A0218CE1}" dt="2018-04-25T20:40:50.485" v="137"/>
-          <ac:spMkLst>
-            <pc:docMk/>
-            <pc:sldMk cId="2835357801" sldId="266"/>
-            <ac:spMk id="2" creationId="{9BAFE858-72C0-4E7F-B84A-9DE613B495BA}"/>
-          </ac:spMkLst>
-        </pc:spChg>
-        <pc:spChg chg="mod">
-          <ac:chgData name="Rodrigo De Pedro Lombao" userId="d9be6118aa640e54" providerId="Windows Live" clId="Web-{CC9E4233-B84F-45B4-ACB9-70B9A0218CE1}" dt="2018-04-25T20:41:00.079" v="138"/>
-          <ac:spMkLst>
-            <pc:docMk/>
-            <pc:sldMk cId="2835357801" sldId="266"/>
-            <ac:spMk id="3" creationId="{73DE7649-426B-4723-99E7-F2BF42B546F4}"/>
-          </ac:spMkLst>
-        </pc:spChg>
-      </pc:sldChg>
-      <pc:sldChg chg="addSp modSp">
-        <pc:chgData name="Rodrigo De Pedro Lombao" userId="d9be6118aa640e54" providerId="Windows Live" clId="Web-{CC9E4233-B84F-45B4-ACB9-70B9A0218CE1}" dt="2018-04-25T20:27:31.376" v="52"/>
-        <pc:sldMkLst>
-          <pc:docMk/>
-          <pc:sldMk cId="2038135226" sldId="284"/>
-        </pc:sldMkLst>
-        <pc:spChg chg="add mod">
-          <ac:chgData name="Rodrigo De Pedro Lombao" userId="d9be6118aa640e54" providerId="Windows Live" clId="Web-{CC9E4233-B84F-45B4-ACB9-70B9A0218CE1}" dt="2018-04-25T20:27:31.376" v="52"/>
-          <ac:spMkLst>
-            <pc:docMk/>
-            <pc:sldMk cId="2038135226" sldId="284"/>
-            <ac:spMk id="3" creationId="{818B6D73-018D-4D52-8102-EA0AC3C496E3}"/>
-          </ac:spMkLst>
-        </pc:spChg>
-        <pc:picChg chg="mod">
-          <ac:chgData name="Rodrigo De Pedro Lombao" userId="d9be6118aa640e54" providerId="Windows Live" clId="Web-{CC9E4233-B84F-45B4-ACB9-70B9A0218CE1}" dt="2018-04-25T20:27:26.673" v="51"/>
-          <ac:picMkLst>
-            <pc:docMk/>
-            <pc:sldMk cId="2038135226" sldId="284"/>
-            <ac:picMk id="4" creationId="{4AFE7708-B5A4-4480-A2F0-1F848BEF6404}"/>
-          </ac:picMkLst>
-        </pc:picChg>
-      </pc:sldChg>
-      <pc:sldChg chg="delSp modSp new mod modClrScheme chgLayout">
-        <pc:chgData name="Rodrigo De Pedro Lombao" userId="d9be6118aa640e54" providerId="Windows Live" clId="Web-{CC9E4233-B84F-45B4-ACB9-70B9A0218CE1}" dt="2018-04-25T20:31:40.798" v="68"/>
-        <pc:sldMkLst>
-          <pc:docMk/>
-          <pc:sldMk cId="3935611448" sldId="285"/>
-        </pc:sldMkLst>
-        <pc:spChg chg="mod ord">
-          <ac:chgData name="Rodrigo De Pedro Lombao" userId="d9be6118aa640e54" providerId="Windows Live" clId="Web-{CC9E4233-B84F-45B4-ACB9-70B9A0218CE1}" dt="2018-04-25T20:31:38.094" v="67"/>
-          <ac:spMkLst>
-            <pc:docMk/>
-            <pc:sldMk cId="3935611448" sldId="285"/>
-            <ac:spMk id="2" creationId="{5B75D201-7B38-4FCE-BF3D-666E4A94FC70}"/>
-          </ac:spMkLst>
-        </pc:spChg>
-        <pc:spChg chg="del mod ord">
-          <ac:chgData name="Rodrigo De Pedro Lombao" userId="d9be6118aa640e54" providerId="Windows Live" clId="Web-{CC9E4233-B84F-45B4-ACB9-70B9A0218CE1}" dt="2018-04-25T20:31:40.798" v="68"/>
-          <ac:spMkLst>
-            <pc:docMk/>
-            <pc:sldMk cId="3935611448" sldId="285"/>
-            <ac:spMk id="3" creationId="{A1A6FBD8-56C1-4B14-9841-A7377B50D19B}"/>
-          </ac:spMkLst>
-        </pc:spChg>
-      </pc:sldChg>
-      <pc:sldChg chg="addSp delSp modSp new addAnim delAnim">
-        <pc:chgData name="Rodrigo De Pedro Lombao" userId="d9be6118aa640e54" providerId="Windows Live" clId="Web-{CC9E4233-B84F-45B4-ACB9-70B9A0218CE1}" dt="2018-04-25T20:32:56.016" v="78"/>
-        <pc:sldMkLst>
-          <pc:docMk/>
-          <pc:sldMk cId="2410158466" sldId="286"/>
-        </pc:sldMkLst>
-        <pc:spChg chg="mod">
-          <ac:chgData name="Rodrigo De Pedro Lombao" userId="d9be6118aa640e54" providerId="Windows Live" clId="Web-{CC9E4233-B84F-45B4-ACB9-70B9A0218CE1}" dt="2018-04-25T20:32:56.016" v="78"/>
-          <ac:spMkLst>
-            <pc:docMk/>
-            <pc:sldMk cId="2410158466" sldId="286"/>
-            <ac:spMk id="2" creationId="{CF381F8D-E0FF-4BC6-9512-B93E088D60A3}"/>
-          </ac:spMkLst>
-        </pc:spChg>
-        <pc:spChg chg="del">
-          <ac:chgData name="Rodrigo De Pedro Lombao" userId="d9be6118aa640e54" providerId="Windows Live" clId="Web-{CC9E4233-B84F-45B4-ACB9-70B9A0218CE1}" dt="2018-04-25T20:32:42.923" v="76"/>
-          <ac:spMkLst>
-            <pc:docMk/>
-            <pc:sldMk cId="2410158466" sldId="286"/>
-            <ac:spMk id="3" creationId="{5CD60FBB-E0B5-4095-A001-747AF5F3A80B}"/>
-          </ac:spMkLst>
-        </pc:spChg>
-        <pc:picChg chg="add del">
-          <ac:chgData name="Rodrigo De Pedro Lombao" userId="d9be6118aa640e54" providerId="Windows Live" clId="Web-{CC9E4233-B84F-45B4-ACB9-70B9A0218CE1}" dt="2018-04-25T20:32:37.891" v="74"/>
-          <ac:picMkLst>
-            <pc:docMk/>
-            <pc:sldMk cId="2410158466" sldId="286"/>
-            <ac:picMk id="5" creationId="{EC02BD82-4F0E-4C99-9FF8-048AF04ACB38}"/>
-          </ac:picMkLst>
-        </pc:picChg>
-        <pc:picChg chg="add">
-          <ac:chgData name="Rodrigo De Pedro Lombao" userId="d9be6118aa640e54" providerId="Windows Live" clId="Web-{CC9E4233-B84F-45B4-ACB9-70B9A0218CE1}" dt="2018-04-25T20:32:41.016" v="75"/>
-          <ac:picMkLst>
-            <pc:docMk/>
-            <pc:sldMk cId="2410158466" sldId="286"/>
-            <ac:picMk id="7" creationId="{34506EF9-9E13-4FF9-B445-2F4CD5371345}"/>
-          </ac:picMkLst>
-        </pc:picChg>
-      </pc:sldChg>
-      <pc:sldChg chg="addSp delSp modSp new">
-        <pc:chgData name="Rodrigo De Pedro Lombao" userId="d9be6118aa640e54" providerId="Windows Live" clId="Web-{CC9E4233-B84F-45B4-ACB9-70B9A0218CE1}" dt="2018-04-25T20:34:25.126" v="89"/>
-        <pc:sldMkLst>
-          <pc:docMk/>
-          <pc:sldMk cId="948917931" sldId="287"/>
-        </pc:sldMkLst>
-        <pc:spChg chg="mod">
-          <ac:chgData name="Rodrigo De Pedro Lombao" userId="d9be6118aa640e54" providerId="Windows Live" clId="Web-{CC9E4233-B84F-45B4-ACB9-70B9A0218CE1}" dt="2018-04-25T20:33:16.954" v="84"/>
-          <ac:spMkLst>
-            <pc:docMk/>
-            <pc:sldMk cId="948917931" sldId="287"/>
-            <ac:spMk id="2" creationId="{8069D80B-1C9F-40C6-9D71-54DB7A0F58F6}"/>
-          </ac:spMkLst>
-        </pc:spChg>
-        <pc:spChg chg="del">
-          <ac:chgData name="Rodrigo De Pedro Lombao" userId="d9be6118aa640e54" providerId="Windows Live" clId="Web-{CC9E4233-B84F-45B4-ACB9-70B9A0218CE1}" dt="2018-04-25T20:33:53.532" v="85"/>
-          <ac:spMkLst>
-            <pc:docMk/>
-            <pc:sldMk cId="948917931" sldId="287"/>
-            <ac:spMk id="3" creationId="{88817BA1-F85E-4ADB-B8B1-57813B837276}"/>
-          </ac:spMkLst>
-        </pc:spChg>
-        <pc:picChg chg="add mod ord">
-          <ac:chgData name="Rodrigo De Pedro Lombao" userId="d9be6118aa640e54" providerId="Windows Live" clId="Web-{CC9E4233-B84F-45B4-ACB9-70B9A0218CE1}" dt="2018-04-25T20:34:25.126" v="89"/>
-          <ac:picMkLst>
-            <pc:docMk/>
-            <pc:sldMk cId="948917931" sldId="287"/>
-            <ac:picMk id="4" creationId="{CEEAB4E4-17F4-4109-AB6E-DAFC56244AA4}"/>
-          </ac:picMkLst>
-        </pc:picChg>
-      </pc:sldChg>
-      <pc:sldChg chg="addSp delSp modSp new">
-        <pc:chgData name="Rodrigo De Pedro Lombao" userId="d9be6118aa640e54" providerId="Windows Live" clId="Web-{CC9E4233-B84F-45B4-ACB9-70B9A0218CE1}" dt="2018-04-25T20:35:21.517" v="102"/>
-        <pc:sldMkLst>
-          <pc:docMk/>
-          <pc:sldMk cId="1517483838" sldId="288"/>
-        </pc:sldMkLst>
-        <pc:spChg chg="mod">
-          <ac:chgData name="Rodrigo De Pedro Lombao" userId="d9be6118aa640e54" providerId="Windows Live" clId="Web-{CC9E4233-B84F-45B4-ACB9-70B9A0218CE1}" dt="2018-04-25T20:34:49.048" v="93"/>
-          <ac:spMkLst>
-            <pc:docMk/>
-            <pc:sldMk cId="1517483838" sldId="288"/>
-            <ac:spMk id="2" creationId="{8686E3A4-416C-492E-879D-E7A547E53F97}"/>
-          </ac:spMkLst>
-        </pc:spChg>
-        <pc:spChg chg="del">
-          <ac:chgData name="Rodrigo De Pedro Lombao" userId="d9be6118aa640e54" providerId="Windows Live" clId="Web-{CC9E4233-B84F-45B4-ACB9-70B9A0218CE1}" dt="2018-04-25T20:34:58.298" v="95"/>
-          <ac:spMkLst>
-            <pc:docMk/>
-            <pc:sldMk cId="1517483838" sldId="288"/>
-            <ac:spMk id="3" creationId="{5DEC3DC9-EC8E-482F-8A8C-1D2A23626D68}"/>
-          </ac:spMkLst>
-        </pc:spChg>
-        <pc:picChg chg="add mod">
-          <ac:chgData name="Rodrigo De Pedro Lombao" userId="d9be6118aa640e54" providerId="Windows Live" clId="Web-{CC9E4233-B84F-45B4-ACB9-70B9A0218CE1}" dt="2018-04-25T20:35:21.517" v="102"/>
-          <ac:picMkLst>
-            <pc:docMk/>
-            <pc:sldMk cId="1517483838" sldId="288"/>
-            <ac:picMk id="5" creationId="{A704B588-B022-4C95-AE42-28C0478A4D9B}"/>
-          </ac:picMkLst>
-        </pc:picChg>
-      </pc:sldChg>
-      <pc:sldChg chg="addSp delSp modSp new">
-        <pc:chgData name="Rodrigo De Pedro Lombao" userId="d9be6118aa640e54" providerId="Windows Live" clId="Web-{CC9E4233-B84F-45B4-ACB9-70B9A0218CE1}" dt="2018-04-25T20:36:47.220" v="115"/>
-        <pc:sldMkLst>
-          <pc:docMk/>
-          <pc:sldMk cId="730389454" sldId="289"/>
-        </pc:sldMkLst>
-        <pc:spChg chg="mod">
-          <ac:chgData name="Rodrigo De Pedro Lombao" userId="d9be6118aa640e54" providerId="Windows Live" clId="Web-{CC9E4233-B84F-45B4-ACB9-70B9A0218CE1}" dt="2018-04-25T20:35:43.360" v="107"/>
-          <ac:spMkLst>
-            <pc:docMk/>
-            <pc:sldMk cId="730389454" sldId="289"/>
-            <ac:spMk id="2" creationId="{2C19E7C9-C21F-46D8-B78A-231F7F6EF615}"/>
-          </ac:spMkLst>
-        </pc:spChg>
-        <pc:spChg chg="del">
-          <ac:chgData name="Rodrigo De Pedro Lombao" userId="d9be6118aa640e54" providerId="Windows Live" clId="Web-{CC9E4233-B84F-45B4-ACB9-70B9A0218CE1}" dt="2018-04-25T20:36:31.844" v="108"/>
-          <ac:spMkLst>
-            <pc:docMk/>
-            <pc:sldMk cId="730389454" sldId="289"/>
-            <ac:spMk id="3" creationId="{F70F3823-BF13-4392-80B2-6B3739A932ED}"/>
-          </ac:spMkLst>
-        </pc:spChg>
-        <pc:picChg chg="add mod ord">
-          <ac:chgData name="Rodrigo De Pedro Lombao" userId="d9be6118aa640e54" providerId="Windows Live" clId="Web-{CC9E4233-B84F-45B4-ACB9-70B9A0218CE1}" dt="2018-04-25T20:36:47.220" v="115"/>
-          <ac:picMkLst>
-            <pc:docMk/>
-            <pc:sldMk cId="730389454" sldId="289"/>
-            <ac:picMk id="4" creationId="{E0161C93-AD66-43B5-8E7F-9B465F21E369}"/>
-          </ac:picMkLst>
-        </pc:picChg>
-      </pc:sldChg>
-      <pc:sldChg chg="addSp delSp modSp new">
-        <pc:chgData name="Rodrigo De Pedro Lombao" userId="d9be6118aa640e54" providerId="Windows Live" clId="Web-{CC9E4233-B84F-45B4-ACB9-70B9A0218CE1}" dt="2018-04-25T20:38:38.844" v="122"/>
-        <pc:sldMkLst>
-          <pc:docMk/>
-          <pc:sldMk cId="1029565017" sldId="290"/>
-        </pc:sldMkLst>
-        <pc:spChg chg="mod">
-          <ac:chgData name="Rodrigo De Pedro Lombao" userId="d9be6118aa640e54" providerId="Windows Live" clId="Web-{CC9E4233-B84F-45B4-ACB9-70B9A0218CE1}" dt="2018-04-25T20:37:14.891" v="119"/>
-          <ac:spMkLst>
-            <pc:docMk/>
-            <pc:sldMk cId="1029565017" sldId="290"/>
-            <ac:spMk id="2" creationId="{C9B35E91-FC7D-4CB4-8DB7-B2AEFDDD9C91}"/>
-          </ac:spMkLst>
-        </pc:spChg>
-        <pc:spChg chg="del">
-          <ac:chgData name="Rodrigo De Pedro Lombao" userId="d9be6118aa640e54" providerId="Windows Live" clId="Web-{CC9E4233-B84F-45B4-ACB9-70B9A0218CE1}" dt="2018-04-25T20:38:34.266" v="120"/>
-          <ac:spMkLst>
-            <pc:docMk/>
-            <pc:sldMk cId="1029565017" sldId="290"/>
-            <ac:spMk id="3" creationId="{B3BF5DEA-55CD-4C5D-8B3E-3016A8377E2A}"/>
-          </ac:spMkLst>
-        </pc:spChg>
-        <pc:picChg chg="add mod ord">
-          <ac:chgData name="Rodrigo De Pedro Lombao" userId="d9be6118aa640e54" providerId="Windows Live" clId="Web-{CC9E4233-B84F-45B4-ACB9-70B9A0218CE1}" dt="2018-04-25T20:38:38.844" v="122"/>
-          <ac:picMkLst>
-            <pc:docMk/>
-            <pc:sldMk cId="1029565017" sldId="290"/>
-            <ac:picMk id="4" creationId="{007FD650-6D15-4207-8E62-0FE5F7884597}"/>
-          </ac:picMkLst>
-        </pc:picChg>
-      </pc:sldChg>
-      <pc:sldChg chg="delSp modSp new mod modClrScheme chgLayout">
-        <pc:chgData name="Rodrigo De Pedro Lombao" userId="d9be6118aa640e54" providerId="Windows Live" clId="Web-{CC9E4233-B84F-45B4-ACB9-70B9A0218CE1}" dt="2018-04-25T20:39:19.970" v="136"/>
-        <pc:sldMkLst>
-          <pc:docMk/>
-          <pc:sldMk cId="1155426389" sldId="291"/>
-        </pc:sldMkLst>
-        <pc:spChg chg="mod ord">
-          <ac:chgData name="Rodrigo De Pedro Lombao" userId="d9be6118aa640e54" providerId="Windows Live" clId="Web-{CC9E4233-B84F-45B4-ACB9-70B9A0218CE1}" dt="2018-04-25T20:39:16.516" v="135"/>
-          <ac:spMkLst>
-            <pc:docMk/>
-            <pc:sldMk cId="1155426389" sldId="291"/>
-            <ac:spMk id="2" creationId="{F98595C5-F2D0-49D6-B60F-76B630D87A83}"/>
-          </ac:spMkLst>
-        </pc:spChg>
-        <pc:spChg chg="del mod ord">
-          <ac:chgData name="Rodrigo De Pedro Lombao" userId="d9be6118aa640e54" providerId="Windows Live" clId="Web-{CC9E4233-B84F-45B4-ACB9-70B9A0218CE1}" dt="2018-04-25T20:39:19.970" v="136"/>
-          <ac:spMkLst>
-            <pc:docMk/>
-            <pc:sldMk cId="1155426389" sldId="291"/>
-            <ac:spMk id="3" creationId="{776C2434-F3C2-4057-917E-FF34BACD4984}"/>
-          </ac:spMkLst>
-        </pc:spChg>
-      </pc:sldChg>
-      <pc:sldChg chg="addSp delSp modSp new">
-        <pc:chgData name="Rodrigo De Pedro Lombao" userId="d9be6118aa640e54" providerId="Windows Live" clId="Web-{CC9E4233-B84F-45B4-ACB9-70B9A0218CE1}" dt="2018-04-25T21:11:12.548" v="576"/>
-        <pc:sldMkLst>
-          <pc:docMk/>
-          <pc:sldMk cId="1691248228" sldId="292"/>
-        </pc:sldMkLst>
-        <pc:spChg chg="mod">
-          <ac:chgData name="Rodrigo De Pedro Lombao" userId="d9be6118aa640e54" providerId="Windows Live" clId="Web-{CC9E4233-B84F-45B4-ACB9-70B9A0218CE1}" dt="2018-04-25T20:44:29.735" v="147"/>
-          <ac:spMkLst>
-            <pc:docMk/>
-            <pc:sldMk cId="1691248228" sldId="292"/>
-            <ac:spMk id="2" creationId="{E794D0A1-79E9-4F58-A49C-8DE0869C2635}"/>
-          </ac:spMkLst>
-        </pc:spChg>
-        <pc:spChg chg="del">
-          <ac:chgData name="Rodrigo De Pedro Lombao" userId="d9be6118aa640e54" providerId="Windows Live" clId="Web-{CC9E4233-B84F-45B4-ACB9-70B9A0218CE1}" dt="2018-04-25T20:45:13.454" v="148"/>
-          <ac:spMkLst>
-            <pc:docMk/>
-            <pc:sldMk cId="1691248228" sldId="292"/>
-            <ac:spMk id="3" creationId="{57FB97E7-CD2C-42F7-B5E7-529E50A9C8D6}"/>
-          </ac:spMkLst>
-        </pc:spChg>
-        <pc:spChg chg="add mod">
-          <ac:chgData name="Rodrigo De Pedro Lombao" userId="d9be6118aa640e54" providerId="Windows Live" clId="Web-{CC9E4233-B84F-45B4-ACB9-70B9A0218CE1}" dt="2018-04-25T21:07:37.157" v="470"/>
-          <ac:spMkLst>
-            <pc:docMk/>
-            <pc:sldMk cId="1691248228" sldId="292"/>
-            <ac:spMk id="6" creationId="{A4DB6702-3B55-4F27-B1BC-BD1EF410D4E1}"/>
-          </ac:spMkLst>
-        </pc:spChg>
-        <pc:spChg chg="add mod">
-          <ac:chgData name="Rodrigo De Pedro Lombao" userId="d9be6118aa640e54" providerId="Windows Live" clId="Web-{CC9E4233-B84F-45B4-ACB9-70B9A0218CE1}" dt="2018-04-25T21:11:12.548" v="576"/>
-          <ac:spMkLst>
-            <pc:docMk/>
-            <pc:sldMk cId="1691248228" sldId="292"/>
-            <ac:spMk id="8" creationId="{4EC06325-9254-4F32-B591-6E94091C4B68}"/>
-          </ac:spMkLst>
-        </pc:spChg>
-        <pc:picChg chg="add mod ord">
-          <ac:chgData name="Rodrigo De Pedro Lombao" userId="d9be6118aa640e54" providerId="Windows Live" clId="Web-{CC9E4233-B84F-45B4-ACB9-70B9A0218CE1}" dt="2018-04-25T20:45:15.516" v="149"/>
-          <ac:picMkLst>
-            <pc:docMk/>
-            <pc:sldMk cId="1691248228" sldId="292"/>
-            <ac:picMk id="4" creationId="{7CA7777D-C934-4BEE-A6E4-FB0FB20E1491}"/>
-          </ac:picMkLst>
-        </pc:picChg>
-      </pc:sldChg>
-      <pc:sldChg chg="addSp modSp new">
-        <pc:chgData name="Rodrigo De Pedro Lombao" userId="d9be6118aa640e54" providerId="Windows Live" clId="Web-{CC9E4233-B84F-45B4-ACB9-70B9A0218CE1}" dt="2018-04-25T20:56:51.282" v="433"/>
-        <pc:sldMkLst>
-          <pc:docMk/>
-          <pc:sldMk cId="184907527" sldId="293"/>
-        </pc:sldMkLst>
-        <pc:spChg chg="mod">
-          <ac:chgData name="Rodrigo De Pedro Lombao" userId="d9be6118aa640e54" providerId="Windows Live" clId="Web-{CC9E4233-B84F-45B4-ACB9-70B9A0218CE1}" dt="2018-04-25T20:56:51.282" v="433"/>
-          <ac:spMkLst>
-            <pc:docMk/>
-            <pc:sldMk cId="184907527" sldId="293"/>
-            <ac:spMk id="2" creationId="{EB9CF460-C902-4211-A71D-CED4BC688CF4}"/>
-          </ac:spMkLst>
-        </pc:spChg>
-        <pc:spChg chg="mod">
-          <ac:chgData name="Rodrigo De Pedro Lombao" userId="d9be6118aa640e54" providerId="Windows Live" clId="Web-{CC9E4233-B84F-45B4-ACB9-70B9A0218CE1}" dt="2018-04-25T20:55:34.579" v="428"/>
-          <ac:spMkLst>
-            <pc:docMk/>
-            <pc:sldMk cId="184907527" sldId="293"/>
-            <ac:spMk id="3" creationId="{4C5D9B2E-66DF-454C-8C5B-FC7BBE787547}"/>
-          </ac:spMkLst>
-        </pc:spChg>
-        <pc:picChg chg="add mod">
-          <ac:chgData name="Rodrigo De Pedro Lombao" userId="d9be6118aa640e54" providerId="Windows Live" clId="Web-{CC9E4233-B84F-45B4-ACB9-70B9A0218CE1}" dt="2018-04-25T20:52:32.455" v="231"/>
-          <ac:picMkLst>
-            <pc:docMk/>
-            <pc:sldMk cId="184907527" sldId="293"/>
-            <ac:picMk id="4" creationId="{63682CF7-5862-46A3-91F9-AD3AF6520B96}"/>
-          </ac:picMkLst>
-        </pc:picChg>
-      </pc:sldChg>
-      <pc:sldChg chg="addSp delSp modSp new">
-        <pc:chgData name="Rodrigo De Pedro Lombao" userId="d9be6118aa640e54" providerId="Windows Live" clId="Web-{CC9E4233-B84F-45B4-ACB9-70B9A0218CE1}" dt="2018-04-25T21:00:39.673" v="454"/>
-        <pc:sldMkLst>
-          <pc:docMk/>
-          <pc:sldMk cId="1992045322" sldId="294"/>
-        </pc:sldMkLst>
-        <pc:spChg chg="mod">
-          <ac:chgData name="Rodrigo De Pedro Lombao" userId="d9be6118aa640e54" providerId="Windows Live" clId="Web-{CC9E4233-B84F-45B4-ACB9-70B9A0218CE1}" dt="2018-04-25T20:57:34.189" v="442"/>
-          <ac:spMkLst>
-            <pc:docMk/>
-            <pc:sldMk cId="1992045322" sldId="294"/>
-            <ac:spMk id="2" creationId="{03BEEA8F-5FCD-4CD2-9E03-A3E82E7892AD}"/>
-          </ac:spMkLst>
-        </pc:spChg>
-        <pc:spChg chg="del">
-          <ac:chgData name="Rodrigo De Pedro Lombao" userId="d9be6118aa640e54" providerId="Windows Live" clId="Web-{CC9E4233-B84F-45B4-ACB9-70B9A0218CE1}" dt="2018-04-25T20:59:33.970" v="443"/>
-          <ac:spMkLst>
-            <pc:docMk/>
-            <pc:sldMk cId="1992045322" sldId="294"/>
-            <ac:spMk id="3" creationId="{69CA29DB-6B89-4268-8481-FC2C639693E3}"/>
-          </ac:spMkLst>
-        </pc:spChg>
-        <pc:picChg chg="add mod ord modCrop">
-          <ac:chgData name="Rodrigo De Pedro Lombao" userId="d9be6118aa640e54" providerId="Windows Live" clId="Web-{CC9E4233-B84F-45B4-ACB9-70B9A0218CE1}" dt="2018-04-25T21:00:39.673" v="454"/>
-          <ac:picMkLst>
-            <pc:docMk/>
-            <pc:sldMk cId="1992045322" sldId="294"/>
-            <ac:picMk id="4" creationId="{2F5F7B03-FDCC-4CE9-AD66-CD011B0E11D6}"/>
-          </ac:picMkLst>
-        </pc:picChg>
-      </pc:sldChg>
-      <pc:sldChg chg="modSp new mod modClrScheme chgLayout">
-        <pc:chgData name="Rodrigo De Pedro Lombao" userId="d9be6118aa640e54" providerId="Windows Live" clId="Web-{CC9E4233-B84F-45B4-ACB9-70B9A0218CE1}" dt="2018-04-25T21:11:50.266" v="581"/>
-        <pc:sldMkLst>
-          <pc:docMk/>
-          <pc:sldMk cId="3909154119" sldId="295"/>
-        </pc:sldMkLst>
-        <pc:spChg chg="mod ord">
-          <ac:chgData name="Rodrigo De Pedro Lombao" userId="d9be6118aa640e54" providerId="Windows Live" clId="Web-{CC9E4233-B84F-45B4-ACB9-70B9A0218CE1}" dt="2018-04-25T21:11:50.266" v="581"/>
-          <ac:spMkLst>
-            <pc:docMk/>
-            <pc:sldMk cId="3909154119" sldId="295"/>
-            <ac:spMk id="2" creationId="{F39052D9-3E8E-4F47-8D7C-253C2ADC06E7}"/>
-          </ac:spMkLst>
-        </pc:spChg>
-        <pc:spChg chg="mod ord">
-          <ac:chgData name="Rodrigo De Pedro Lombao" userId="d9be6118aa640e54" providerId="Windows Live" clId="Web-{CC9E4233-B84F-45B4-ACB9-70B9A0218CE1}" dt="2018-04-25T21:11:34.266" v="578"/>
-          <ac:spMkLst>
-            <pc:docMk/>
-            <pc:sldMk cId="3909154119" sldId="295"/>
-            <ac:spMk id="3" creationId="{41EDCBBA-BEA4-406E-86C1-777CEEB446D8}"/>
-          </ac:spMkLst>
-        </pc:spChg>
-      </pc:sldChg>
-    </pc:docChg>
-  </pc:docChgLst>
-  <pc:docChgLst>
-    <pc:chgData name="Rodrigo De Pedro Lombao" userId="d9be6118aa640e54" providerId="Windows Live" clId="Web-{9C3EC0C3-AFD6-468B-A019-0B59B4CDF28D}"/>
-    <pc:docChg chg="modSld">
-      <pc:chgData name="Rodrigo De Pedro Lombao" userId="d9be6118aa640e54" providerId="Windows Live" clId="Web-{9C3EC0C3-AFD6-468B-A019-0B59B4CDF28D}" dt="2018-04-23T22:58:05.301" v="101"/>
-      <pc:docMkLst>
-        <pc:docMk/>
-      </pc:docMkLst>
-      <pc:sldChg chg="modSp">
-        <pc:chgData name="Rodrigo De Pedro Lombao" userId="d9be6118aa640e54" providerId="Windows Live" clId="Web-{9C3EC0C3-AFD6-468B-A019-0B59B4CDF28D}" dt="2018-04-23T22:58:03.270" v="99"/>
-        <pc:sldMkLst>
-          <pc:docMk/>
-          <pc:sldMk cId="1340754361" sldId="277"/>
-        </pc:sldMkLst>
-        <pc:spChg chg="mod">
-          <ac:chgData name="Rodrigo De Pedro Lombao" userId="d9be6118aa640e54" providerId="Windows Live" clId="Web-{9C3EC0C3-AFD6-468B-A019-0B59B4CDF28D}" dt="2018-04-23T22:58:03.270" v="99"/>
-          <ac:spMkLst>
-            <pc:docMk/>
-            <pc:sldMk cId="1340754361" sldId="277"/>
-            <ac:spMk id="3" creationId="{19A4AE19-BD27-47EE-A138-657A575EB1FC}"/>
-          </ac:spMkLst>
-        </pc:spChg>
-      </pc:sldChg>
-    </pc:docChg>
-  </pc:docChgLst>
-  <pc:docChgLst>
-    <pc:chgData name="Rodrigo De Pedro Lombao" userId="d9be6118aa640e54" providerId="Windows Live" clId="Web-{3F6E17F6-F4B4-4E70-A1D8-2837714D65B1}"/>
-    <pc:docChg chg="addSld modSld modSection">
-      <pc:chgData name="Rodrigo De Pedro Lombao" userId="d9be6118aa640e54" providerId="Windows Live" clId="Web-{3F6E17F6-F4B4-4E70-A1D8-2837714D65B1}" dt="2018-02-13T15:01:27.310" v="304"/>
-      <pc:docMkLst>
-        <pc:docMk/>
-      </pc:docMkLst>
-      <pc:sldChg chg="modSp">
-        <pc:chgData name="Rodrigo De Pedro Lombao" userId="d9be6118aa640e54" providerId="Windows Live" clId="Web-{3F6E17F6-F4B4-4E70-A1D8-2837714D65B1}" dt="2018-02-13T14:42:01.186" v="15"/>
-        <pc:sldMkLst>
-          <pc:docMk/>
-          <pc:sldMk cId="2029002549" sldId="256"/>
-        </pc:sldMkLst>
-        <pc:spChg chg="mod">
-          <ac:chgData name="Rodrigo De Pedro Lombao" userId="d9be6118aa640e54" providerId="Windows Live" clId="Web-{3F6E17F6-F4B4-4E70-A1D8-2837714D65B1}" dt="2018-02-13T14:41:52.795" v="4"/>
-          <ac:spMkLst>
-            <pc:docMk/>
-            <pc:sldMk cId="2029002549" sldId="256"/>
-            <ac:spMk id="2" creationId="{00000000-0000-0000-0000-000000000000}"/>
-          </ac:spMkLst>
-        </pc:spChg>
-        <pc:spChg chg="mod">
-          <ac:chgData name="Rodrigo De Pedro Lombao" userId="d9be6118aa640e54" providerId="Windows Live" clId="Web-{3F6E17F6-F4B4-4E70-A1D8-2837714D65B1}" dt="2018-02-13T14:42:01.186" v="15"/>
-          <ac:spMkLst>
-            <pc:docMk/>
-            <pc:sldMk cId="2029002549" sldId="256"/>
-            <ac:spMk id="3" creationId="{00000000-0000-0000-0000-000000000000}"/>
-          </ac:spMkLst>
-        </pc:spChg>
-      </pc:sldChg>
-      <pc:sldChg chg="modSp new">
-        <pc:chgData name="Rodrigo De Pedro Lombao" userId="d9be6118aa640e54" providerId="Windows Live" clId="Web-{3F6E17F6-F4B4-4E70-A1D8-2837714D65B1}" dt="2018-02-13T15:00:35.747" v="284"/>
-        <pc:sldMkLst>
-          <pc:docMk/>
-          <pc:sldMk cId="2296568263" sldId="257"/>
-        </pc:sldMkLst>
-        <pc:spChg chg="mod">
-          <ac:chgData name="Rodrigo De Pedro Lombao" userId="d9be6118aa640e54" providerId="Windows Live" clId="Web-{3F6E17F6-F4B4-4E70-A1D8-2837714D65B1}" dt="2018-02-13T14:52:04.912" v="27"/>
-          <ac:spMkLst>
-            <pc:docMk/>
-            <pc:sldMk cId="2296568263" sldId="257"/>
-            <ac:spMk id="2" creationId="{967FF785-EA5E-42F9-A42A-6FFCCF0D0D17}"/>
-          </ac:spMkLst>
-        </pc:spChg>
-        <pc:spChg chg="mod">
-          <ac:chgData name="Rodrigo De Pedro Lombao" userId="d9be6118aa640e54" providerId="Windows Live" clId="Web-{3F6E17F6-F4B4-4E70-A1D8-2837714D65B1}" dt="2018-02-13T15:00:35.747" v="284"/>
-          <ac:spMkLst>
-            <pc:docMk/>
-            <pc:sldMk cId="2296568263" sldId="257"/>
-            <ac:spMk id="3" creationId="{C5F1936A-0079-4C3A-AF64-00A70C6201C4}"/>
-          </ac:spMkLst>
-        </pc:spChg>
-      </pc:sldChg>
-      <pc:sldChg chg="modSp new">
-        <pc:chgData name="Rodrigo De Pedro Lombao" userId="d9be6118aa640e54" providerId="Windows Live" clId="Web-{3F6E17F6-F4B4-4E70-A1D8-2837714D65B1}" dt="2018-02-13T15:01:27.310" v="304"/>
-        <pc:sldMkLst>
-          <pc:docMk/>
-          <pc:sldMk cId="3425111425" sldId="258"/>
-        </pc:sldMkLst>
-        <pc:spChg chg="mod">
-          <ac:chgData name="Rodrigo De Pedro Lombao" userId="d9be6118aa640e54" providerId="Windows Live" clId="Web-{3F6E17F6-F4B4-4E70-A1D8-2837714D65B1}" dt="2018-02-13T15:01:27.310" v="304"/>
-          <ac:spMkLst>
-            <pc:docMk/>
-            <pc:sldMk cId="3425111425" sldId="258"/>
-            <ac:spMk id="2" creationId="{25C699F3-14FC-4A9C-8257-E66166920337}"/>
-          </ac:spMkLst>
-        </pc:spChg>
-      </pc:sldChg>
-    </pc:docChg>
-  </pc:docChgLst>
-  <pc:docChgLst>
-    <pc:chgData name="Rodrigo De Pedro Lombao" userId="d9be6118aa640e54" providerId="Windows Live" clId="Web-{879603ED-6C53-4061-8431-E42A565FA4BA}"/>
-    <pc:docChg chg="modSld">
-      <pc:chgData name="Rodrigo De Pedro Lombao" userId="d9be6118aa640e54" providerId="Windows Live" clId="Web-{879603ED-6C53-4061-8431-E42A565FA4BA}" dt="2018-04-24T10:56:08.712" v="26"/>
-      <pc:docMkLst>
-        <pc:docMk/>
-      </pc:docMkLst>
-      <pc:sldChg chg="modSp">
-        <pc:chgData name="Rodrigo De Pedro Lombao" userId="d9be6118aa640e54" providerId="Windows Live" clId="Web-{879603ED-6C53-4061-8431-E42A565FA4BA}" dt="2018-04-24T10:56:04.853" v="24"/>
-        <pc:sldMkLst>
-          <pc:docMk/>
-          <pc:sldMk cId="2658821743" sldId="275"/>
-        </pc:sldMkLst>
-        <pc:spChg chg="mod">
-          <ac:chgData name="Rodrigo De Pedro Lombao" userId="d9be6118aa640e54" providerId="Windows Live" clId="Web-{879603ED-6C53-4061-8431-E42A565FA4BA}" dt="2018-04-24T10:56:04.853" v="24"/>
-          <ac:spMkLst>
-            <pc:docMk/>
-            <pc:sldMk cId="2658821743" sldId="275"/>
-            <ac:spMk id="3" creationId="{A5B98F25-734B-46E7-9031-F158E44D1820}"/>
-          </ac:spMkLst>
-        </pc:spChg>
-      </pc:sldChg>
-    </pc:docChg>
-  </pc:docChgLst>
-  <pc:docChgLst>
-    <pc:chgData name="Rodrigo De Pedro Lombao" userId="d9be6118aa640e54" providerId="Windows Live" clId="Web-{F6590DF2-62C5-47BF-B6D0-AD8C320E3712}"/>
-    <pc:docChg chg="addSld modSld">
-      <pc:chgData name="Rodrigo De Pedro Lombao" userId="d9be6118aa640e54" providerId="Windows Live" clId="Web-{F6590DF2-62C5-47BF-B6D0-AD8C320E3712}" dt="2018-04-23T21:18:48.480" v="320"/>
-      <pc:docMkLst>
-        <pc:docMk/>
-      </pc:docMkLst>
-      <pc:sldChg chg="modSp">
-        <pc:chgData name="Rodrigo De Pedro Lombao" userId="d9be6118aa640e54" providerId="Windows Live" clId="Web-{F6590DF2-62C5-47BF-B6D0-AD8C320E3712}" dt="2018-04-23T20:55:33.147" v="2"/>
-        <pc:sldMkLst>
-          <pc:docMk/>
-          <pc:sldMk cId="4266360956" sldId="268"/>
-        </pc:sldMkLst>
-        <pc:spChg chg="mod">
-          <ac:chgData name="Rodrigo De Pedro Lombao" userId="d9be6118aa640e54" providerId="Windows Live" clId="Web-{F6590DF2-62C5-47BF-B6D0-AD8C320E3712}" dt="2018-04-23T20:55:33.147" v="2"/>
-          <ac:spMkLst>
-            <pc:docMk/>
-            <pc:sldMk cId="4266360956" sldId="268"/>
-            <ac:spMk id="3" creationId="{288EA943-502C-4B26-B33F-7D15002CE7EE}"/>
-          </ac:spMkLst>
-        </pc:spChg>
-      </pc:sldChg>
-      <pc:sldChg chg="modSp">
-        <pc:chgData name="Rodrigo De Pedro Lombao" userId="d9be6118aa640e54" providerId="Windows Live" clId="Web-{F6590DF2-62C5-47BF-B6D0-AD8C320E3712}" dt="2018-04-23T20:58:30.023" v="98"/>
-        <pc:sldMkLst>
-          <pc:docMk/>
-          <pc:sldMk cId="2658821743" sldId="275"/>
-        </pc:sldMkLst>
-        <pc:spChg chg="mod">
-          <ac:chgData name="Rodrigo De Pedro Lombao" userId="d9be6118aa640e54" providerId="Windows Live" clId="Web-{F6590DF2-62C5-47BF-B6D0-AD8C320E3712}" dt="2018-04-23T20:58:30.023" v="98"/>
-          <ac:spMkLst>
-            <pc:docMk/>
-            <pc:sldMk cId="2658821743" sldId="275"/>
-            <ac:spMk id="3" creationId="{A5B98F25-734B-46E7-9031-F158E44D1820}"/>
-          </ac:spMkLst>
-        </pc:spChg>
-      </pc:sldChg>
-      <pc:sldChg chg="modSp new">
-        <pc:chgData name="Rodrigo De Pedro Lombao" userId="d9be6118aa640e54" providerId="Windows Live" clId="Web-{F6590DF2-62C5-47BF-B6D0-AD8C320E3712}" dt="2018-04-23T21:18:48.480" v="319"/>
-        <pc:sldMkLst>
-          <pc:docMk/>
-          <pc:sldMk cId="3900361432" sldId="276"/>
-        </pc:sldMkLst>
-        <pc:spChg chg="mod">
-          <ac:chgData name="Rodrigo De Pedro Lombao" userId="d9be6118aa640e54" providerId="Windows Live" clId="Web-{F6590DF2-62C5-47BF-B6D0-AD8C320E3712}" dt="2018-04-23T20:58:43.898" v="109"/>
-          <ac:spMkLst>
-            <pc:docMk/>
-            <pc:sldMk cId="3900361432" sldId="276"/>
-            <ac:spMk id="2" creationId="{563769D7-1771-4099-8ADB-A447166BBAEF}"/>
-          </ac:spMkLst>
-        </pc:spChg>
-        <pc:spChg chg="mod">
-          <ac:chgData name="Rodrigo De Pedro Lombao" userId="d9be6118aa640e54" providerId="Windows Live" clId="Web-{F6590DF2-62C5-47BF-B6D0-AD8C320E3712}" dt="2018-04-23T21:18:48.480" v="319"/>
-          <ac:spMkLst>
-            <pc:docMk/>
-            <pc:sldMk cId="3900361432" sldId="276"/>
-            <ac:spMk id="3" creationId="{19A4AE19-BD27-47EE-A138-657A575EB1FC}"/>
-          </ac:spMkLst>
-        </pc:spChg>
-      </pc:sldChg>
-    </pc:docChg>
-  </pc:docChgLst>
-</pc:chgInfo>
 </file>
 
 <file path=ppt/slideLayouts/slideLayout1.xml><?xml version="1.0" encoding="utf-8"?>
@@ -13293,25 +10696,25 @@
                 <a:latin typeface="Segoe UI"/>
                 <a:cs typeface="Segoe UI"/>
               </a:rPr>
-              <a:t>Although they are a very useful tool for programmers, SAC programs are not always able to find all bugs, so we should always double check and manually review for errors.</a:t>
-            </a:r>
-          </a:p>
-          <a:p>
-            <a:r>
-              <a:rPr lang="en-GB" sz="2400" dirty="0">
-                <a:latin typeface="Segoe UI"/>
-                <a:cs typeface="Segoe UI"/>
-              </a:rPr>
-              <a:t>Visual Studio integrated SAC offers quite good results while still being free to use.</a:t>
-            </a:r>
-          </a:p>
-          <a:p>
-            <a:r>
-              <a:rPr lang="en-GB" sz="2400" dirty="0">
-                <a:latin typeface="Segoe UI"/>
-                <a:cs typeface="Segoe UI"/>
-              </a:rPr>
-              <a:t>Paid SAC tools can find several more bugs than free programs and allow to online features, so they are a good choice for greater companies.</a:t>
+              <a:t>Although they are a very useful tool for programmers, SCA programs are not always able to find all bugs, so we should always double check and manually review for errors.</a:t>
+            </a:r>
+          </a:p>
+          <a:p>
+            <a:r>
+              <a:rPr lang="en-GB" sz="2400" dirty="0">
+                <a:latin typeface="Segoe UI"/>
+                <a:cs typeface="Segoe UI"/>
+              </a:rPr>
+              <a:t>Visual Studio integrated SCA offers quite good results while still being free to use.</a:t>
+            </a:r>
+          </a:p>
+          <a:p>
+            <a:r>
+              <a:rPr lang="en-GB" sz="2400" dirty="0">
+                <a:latin typeface="Segoe UI"/>
+                <a:cs typeface="Segoe UI"/>
+              </a:rPr>
+              <a:t>Paid SCA tools can find several more bugs than free programs and allow to online features, so they are a good choice for greater companies.</a:t>
             </a:r>
           </a:p>
         </p:txBody>
@@ -13479,10 +10882,10 @@
                 <a:latin typeface="Segoe UI"/>
                 <a:cs typeface="Segoe UI"/>
               </a:rPr>
-              <a:t>Keep in mind that some paid SAC tools (like </a:t>
-            </a:r>
-            <a:r>
-              <a:rPr lang="en-GB" sz="2400" i="1" dirty="0">
+              <a:t>Keep in mind that some paid SCA tools (like </a:t>
+            </a:r>
+            <a:r>
+              <a:rPr lang="en-GB" sz="2400" i="1" dirty="0" err="1">
                 <a:latin typeface="Segoe UI"/>
                 <a:cs typeface="Segoe UI"/>
               </a:rPr>
@@ -13507,7 +10910,7 @@
                 <a:latin typeface="Segoe UI"/>
                 <a:cs typeface="Segoe UI"/>
               </a:rPr>
-              <a:t> 2 assignment before the Alpha release. </a:t>
+              <a:t> 2 assignment before the Alpha release. </a:t>
             </a:r>
           </a:p>
         </p:txBody>
